--- a/pyWorks/자료/python_ppt/Python 12장. 정규표현식과 웹 스크래핑.pptx
+++ b/pyWorks/자료/python_ppt/Python 12장. 정규표현식과 웹 스크래핑.pptx
@@ -5,7 +5,7 @@
     <p:sldMasterId id="2147483648" r:id="rId1"/>
   </p:sldMasterIdLst>
   <p:notesMasterIdLst>
-    <p:notesMasterId r:id="rId50"/>
+    <p:notesMasterId r:id="rId51"/>
   </p:notesMasterIdLst>
   <p:sldIdLst>
     <p:sldId id="256" r:id="rId2"/>
@@ -40,22 +40,23 @@
     <p:sldId id="309" r:id="rId31"/>
     <p:sldId id="320" r:id="rId32"/>
     <p:sldId id="310" r:id="rId33"/>
-    <p:sldId id="321" r:id="rId34"/>
-    <p:sldId id="345" r:id="rId35"/>
-    <p:sldId id="346" r:id="rId36"/>
-    <p:sldId id="348" r:id="rId37"/>
-    <p:sldId id="344" r:id="rId38"/>
-    <p:sldId id="343" r:id="rId39"/>
-    <p:sldId id="332" r:id="rId40"/>
-    <p:sldId id="322" r:id="rId41"/>
+    <p:sldId id="344" r:id="rId34"/>
+    <p:sldId id="343" r:id="rId35"/>
+    <p:sldId id="332" r:id="rId36"/>
+    <p:sldId id="322" r:id="rId37"/>
+    <p:sldId id="377" r:id="rId38"/>
+    <p:sldId id="378" r:id="rId39"/>
+    <p:sldId id="379" r:id="rId40"/>
+    <p:sldId id="380" r:id="rId41"/>
     <p:sldId id="349" r:id="rId42"/>
     <p:sldId id="354" r:id="rId43"/>
     <p:sldId id="353" r:id="rId44"/>
     <p:sldId id="352" r:id="rId45"/>
-    <p:sldId id="323" r:id="rId46"/>
-    <p:sldId id="324" r:id="rId47"/>
-    <p:sldId id="351" r:id="rId48"/>
-    <p:sldId id="326" r:id="rId49"/>
+    <p:sldId id="381" r:id="rId46"/>
+    <p:sldId id="323" r:id="rId47"/>
+    <p:sldId id="324" r:id="rId48"/>
+    <p:sldId id="351" r:id="rId49"/>
+    <p:sldId id="326" r:id="rId50"/>
   </p:sldIdLst>
   <p:sldSz cx="9906000" cy="6858000" type="A4"/>
   <p:notesSz cx="6858000" cy="9144000"/>
@@ -255,7 +256,7 @@
           <a:p>
             <a:fld id="{7665CDAC-D627-4E87-877A-1B781DD4CADC}" type="datetimeFigureOut">
               <a:rPr lang="ko-KR" altLang="en-US" smtClean="0"/>
-              <a:t>2023-05-01</a:t>
+              <a:t>2023-05-04</a:t>
             </a:fld>
             <a:endParaRPr lang="ko-KR" altLang="en-US"/>
           </a:p>
@@ -667,7 +668,7 @@
           <a:p>
             <a:fld id="{C25BCFD5-C4DF-4EBC-B718-C69ED2FBDE6F}" type="datetime1">
               <a:rPr lang="ko-KR" altLang="en-US" smtClean="0"/>
-              <a:t>2023-05-01</a:t>
+              <a:t>2023-05-04</a:t>
             </a:fld>
             <a:endParaRPr lang="ko-KR" altLang="en-US"/>
           </a:p>
@@ -1118,7 +1119,7 @@
           <a:p>
             <a:fld id="{AB448CD7-D367-43D5-B461-ACE552E75063}" type="datetime1">
               <a:rPr lang="ko-KR" altLang="en-US" smtClean="0"/>
-              <a:t>2023-05-01</a:t>
+              <a:t>2023-05-04</a:t>
             </a:fld>
             <a:endParaRPr lang="ko-KR" altLang="en-US"/>
           </a:p>
@@ -1296,7 +1297,7 @@
           <a:p>
             <a:fld id="{B6E49E79-7361-4780-8BEF-7EDE3708298A}" type="datetime1">
               <a:rPr lang="ko-KR" altLang="en-US" smtClean="0"/>
-              <a:t>2023-05-01</a:t>
+              <a:t>2023-05-04</a:t>
             </a:fld>
             <a:endParaRPr lang="ko-KR" altLang="en-US"/>
           </a:p>
@@ -1468,7 +1469,7 @@
           <a:p>
             <a:fld id="{A4D42E3C-B70B-437C-85CF-1286301B9CBA}" type="datetime1">
               <a:rPr lang="ko-KR" altLang="en-US" smtClean="0"/>
-              <a:t>2023-05-01</a:t>
+              <a:t>2023-05-04</a:t>
             </a:fld>
             <a:endParaRPr lang="ko-KR" altLang="en-US"/>
           </a:p>
@@ -1720,7 +1721,7 @@
           <a:p>
             <a:fld id="{B3369A20-5B3D-4D98-A822-26B93D177A40}" type="datetime1">
               <a:rPr lang="ko-KR" altLang="en-US" smtClean="0"/>
-              <a:t>2023-05-01</a:t>
+              <a:t>2023-05-04</a:t>
             </a:fld>
             <a:endParaRPr lang="ko-KR" altLang="en-US"/>
           </a:p>
@@ -2005,7 +2006,7 @@
           <a:p>
             <a:fld id="{685CD4CE-9E43-4F70-A9D8-A2130CA7D92A}" type="datetime1">
               <a:rPr lang="ko-KR" altLang="en-US" smtClean="0"/>
-              <a:t>2023-05-01</a:t>
+              <a:t>2023-05-04</a:t>
             </a:fld>
             <a:endParaRPr lang="ko-KR" altLang="en-US"/>
           </a:p>
@@ -2431,7 +2432,7 @@
           <a:p>
             <a:fld id="{F752BD92-DA3E-4A0B-90C9-7DE5E15B6E96}" type="datetime1">
               <a:rPr lang="ko-KR" altLang="en-US" smtClean="0"/>
-              <a:t>2023-05-01</a:t>
+              <a:t>2023-05-04</a:t>
             </a:fld>
             <a:endParaRPr lang="ko-KR" altLang="en-US"/>
           </a:p>
@@ -2555,7 +2556,7 @@
           <a:p>
             <a:fld id="{8EA2B83A-F366-424E-B742-340ACF856BB5}" type="datetime1">
               <a:rPr lang="ko-KR" altLang="en-US" smtClean="0"/>
-              <a:t>2023-05-01</a:t>
+              <a:t>2023-05-04</a:t>
             </a:fld>
             <a:endParaRPr lang="ko-KR" altLang="en-US"/>
           </a:p>
@@ -2650,7 +2651,7 @@
           <a:p>
             <a:fld id="{9A49D68B-5DBD-48E9-A8D4-FCBC4B3DD9C6}" type="datetime1">
               <a:rPr lang="ko-KR" altLang="en-US" smtClean="0"/>
-              <a:t>2023-05-01</a:t>
+              <a:t>2023-05-04</a:t>
             </a:fld>
             <a:endParaRPr lang="ko-KR" altLang="en-US"/>
           </a:p>
@@ -2925,7 +2926,7 @@
           <a:p>
             <a:fld id="{4CAB534F-7D16-467B-9320-91F98915D181}" type="datetime1">
               <a:rPr lang="ko-KR" altLang="en-US" smtClean="0"/>
-              <a:t>2023-05-01</a:t>
+              <a:t>2023-05-04</a:t>
             </a:fld>
             <a:endParaRPr lang="ko-KR" altLang="en-US"/>
           </a:p>
@@ -3177,7 +3178,7 @@
           <a:p>
             <a:fld id="{A390A91F-2F8D-4486-A69D-D680F95444B0}" type="datetime1">
               <a:rPr lang="ko-KR" altLang="en-US" smtClean="0"/>
-              <a:t>2023-05-01</a:t>
+              <a:t>2023-05-04</a:t>
             </a:fld>
             <a:endParaRPr lang="ko-KR" altLang="en-US"/>
           </a:p>
@@ -3356,7 +3357,7 @@
           <a:p>
             <a:fld id="{2238BBEA-E8DD-414A-BF68-FC2AFA7CFF2D}" type="datetime1">
               <a:rPr lang="ko-KR" altLang="en-US" smtClean="0"/>
-              <a:t>2023-05-01</a:t>
+              <a:t>2023-05-04</a:t>
             </a:fld>
             <a:endParaRPr lang="ko-KR" altLang="en-US"/>
           </a:p>
@@ -6789,7 +6790,7 @@
         <p:spPr>
           <a:xfrm>
             <a:off x="1246736" y="1268760"/>
-            <a:ext cx="6514576" cy="923330"/>
+            <a:ext cx="6514576" cy="467500"/>
           </a:xfrm>
           <a:prstGeom prst="rect">
             <a:avLst/>
@@ -6851,59 +6852,6 @@
               <a:ea typeface="휴먼엑스포" panose="02030504000101010101" pitchFamily="18" charset="-127"/>
             </a:endParaRPr>
           </a:p>
-          <a:p>
-            <a:pPr>
-              <a:lnSpc>
-                <a:spcPct val="150000"/>
-              </a:lnSpc>
-            </a:pPr>
-            <a:r>
-              <a:rPr lang="en-US" altLang="ko-KR" dirty="0" smtClean="0">
-                <a:latin typeface="휴먼엑스포" panose="02030504000101010101" pitchFamily="18" charset="-127"/>
-                <a:ea typeface="휴먼엑스포" panose="02030504000101010101" pitchFamily="18" charset="-127"/>
-              </a:rPr>
-              <a:t>   </a:t>
-            </a:r>
-            <a:r>
-              <a:rPr lang="en-US" altLang="ko-KR" dirty="0" smtClean="0">
-                <a:latin typeface="돋움" panose="020B0600000101010101" pitchFamily="50" charset="-127"/>
-                <a:ea typeface="돋움" panose="020B0600000101010101" pitchFamily="50" charset="-127"/>
-              </a:rPr>
-              <a:t>- ‘*’</a:t>
-            </a:r>
-            <a:r>
-              <a:rPr lang="ko-KR" altLang="en-US" dirty="0" smtClean="0">
-                <a:latin typeface="돋움" panose="020B0600000101010101" pitchFamily="50" charset="-127"/>
-                <a:ea typeface="돋움" panose="020B0600000101010101" pitchFamily="50" charset="-127"/>
-              </a:rPr>
-              <a:t>와</a:t>
-            </a:r>
-            <a:r>
-              <a:rPr lang="en-US" altLang="ko-KR" dirty="0">
-                <a:latin typeface="돋움" panose="020B0600000101010101" pitchFamily="50" charset="-127"/>
-                <a:ea typeface="돋움" panose="020B0600000101010101" pitchFamily="50" charset="-127"/>
-              </a:rPr>
-              <a:t> </a:t>
-            </a:r>
-            <a:r>
-              <a:rPr lang="en-US" altLang="ko-KR" dirty="0" smtClean="0">
-                <a:latin typeface="돋움" panose="020B0600000101010101" pitchFamily="50" charset="-127"/>
-                <a:ea typeface="돋움" panose="020B0600000101010101" pitchFamily="50" charset="-127"/>
-              </a:rPr>
-              <a:t>‘+’</a:t>
-            </a:r>
-            <a:r>
-              <a:rPr lang="ko-KR" altLang="en-US" dirty="0" smtClean="0">
-                <a:latin typeface="돋움" panose="020B0600000101010101" pitchFamily="50" charset="-127"/>
-                <a:ea typeface="돋움" panose="020B0600000101010101" pitchFamily="50" charset="-127"/>
-              </a:rPr>
-              <a:t>의 차이</a:t>
-            </a:r>
-            <a:endParaRPr lang="ko-KR" altLang="en-US" dirty="0">
-              <a:latin typeface="돋움" panose="020B0600000101010101" pitchFamily="50" charset="-127"/>
-              <a:ea typeface="돋움" panose="020B0600000101010101" pitchFamily="50" charset="-127"/>
-            </a:endParaRPr>
-          </a:p>
         </p:txBody>
       </p:sp>
       <p:pic>
@@ -6928,8 +6876,8 @@
         </p:blipFill>
         <p:spPr>
           <a:xfrm>
-            <a:off x="2216696" y="2276872"/>
-            <a:ext cx="4115157" cy="3779848"/>
+            <a:off x="2000672" y="2060848"/>
+            <a:ext cx="4311769" cy="3960440"/>
           </a:xfrm>
           <a:prstGeom prst="rect">
             <a:avLst/>
@@ -9721,13 +9669,13 @@
       </p:sp>
       <p:pic>
         <p:nvPicPr>
-          <p:cNvPr id="3" name="그림 2"/>
+          <p:cNvPr id="5" name="그림 4"/>
           <p:cNvPicPr>
             <a:picLocks noChangeAspect="1"/>
           </p:cNvPicPr>
           <p:nvPr/>
         </p:nvPicPr>
-        <p:blipFill rotWithShape="1">
+        <p:blipFill>
           <a:blip r:embed="rId2">
             <a:extLst>
               <a:ext uri="{28A0092B-C50C-407E-A947-70E740481C1C}">
@@ -9735,13 +9683,14 @@
               </a:ext>
             </a:extLst>
           </a:blip>
-          <a:srcRect t="56090"/>
-          <a:stretch/>
+          <a:stretch>
+            <a:fillRect/>
+          </a:stretch>
         </p:blipFill>
         <p:spPr>
           <a:xfrm>
-            <a:off x="1424608" y="3040766"/>
-            <a:ext cx="7272808" cy="1567162"/>
+            <a:off x="1569874" y="3140968"/>
+            <a:ext cx="7840826" cy="1562307"/>
           </a:xfrm>
           <a:prstGeom prst="rect">
             <a:avLst/>
@@ -9945,7 +9894,7 @@
         </p:nvSpPr>
         <p:spPr>
           <a:xfrm>
-            <a:off x="1496616" y="1700808"/>
+            <a:off x="1422797" y="2348880"/>
             <a:ext cx="7776864" cy="461665"/>
           </a:xfrm>
           <a:prstGeom prst="rect">
@@ -10004,9 +9953,83 @@
           </a:p>
         </p:txBody>
       </p:sp>
+      <p:sp>
+        <p:nvSpPr>
+          <p:cNvPr id="6" name="직사각형 5"/>
+          <p:cNvSpPr/>
+          <p:nvPr/>
+        </p:nvSpPr>
+        <p:spPr>
+          <a:xfrm>
+            <a:off x="1422797" y="1844824"/>
+            <a:ext cx="4427877" cy="461665"/>
+          </a:xfrm>
+          <a:prstGeom prst="rect">
+            <a:avLst/>
+          </a:prstGeom>
+        </p:spPr>
+        <p:txBody>
+          <a:bodyPr wrap="square">
+            <a:spAutoFit/>
+          </a:bodyPr>
+          <a:lstStyle/>
+          <a:p>
+            <a:pPr>
+              <a:lnSpc>
+                <a:spcPct val="150000"/>
+              </a:lnSpc>
+            </a:pPr>
+            <a:r>
+              <a:rPr lang="ko-KR" altLang="en-US" sz="1600" dirty="0" smtClean="0">
+                <a:latin typeface="Arial Unicode MS" panose="020B0604020202020204" pitchFamily="50" charset="-127"/>
+                <a:ea typeface="Arial Unicode MS" panose="020B0604020202020204" pitchFamily="50" charset="-127"/>
+                <a:cs typeface="Arial Unicode MS" panose="020B0604020202020204" pitchFamily="50" charset="-127"/>
+              </a:rPr>
+              <a:t>참조 구문 사용하기 </a:t>
+            </a:r>
+            <a:r>
+              <a:rPr lang="en-US" altLang="ko-KR" sz="1600" b="1" dirty="0" smtClean="0">
+                <a:latin typeface="Arial Unicode MS" panose="020B0604020202020204" pitchFamily="50" charset="-127"/>
+                <a:ea typeface="Arial Unicode MS" panose="020B0604020202020204" pitchFamily="50" charset="-127"/>
+                <a:cs typeface="Arial Unicode MS" panose="020B0604020202020204" pitchFamily="50" charset="-127"/>
+              </a:rPr>
+              <a:t>- sub</a:t>
+            </a:r>
+            <a:r>
+              <a:rPr lang="en-US" altLang="ko-KR" sz="1600" b="1" dirty="0">
+                <a:latin typeface="Arial Unicode MS" panose="020B0604020202020204" pitchFamily="50" charset="-127"/>
+                <a:ea typeface="Arial Unicode MS" panose="020B0604020202020204" pitchFamily="50" charset="-127"/>
+                <a:cs typeface="Arial Unicode MS" panose="020B0604020202020204" pitchFamily="50" charset="-127"/>
+              </a:rPr>
+              <a:t>(\g &lt;</a:t>
+            </a:r>
+            <a:r>
+              <a:rPr lang="ko-KR" altLang="en-US" sz="1600" b="1" dirty="0">
+                <a:latin typeface="Arial Unicode MS" panose="020B0604020202020204" pitchFamily="50" charset="-127"/>
+                <a:ea typeface="Arial Unicode MS" panose="020B0604020202020204" pitchFamily="50" charset="-127"/>
+                <a:cs typeface="Arial Unicode MS" panose="020B0604020202020204" pitchFamily="50" charset="-127"/>
+              </a:rPr>
+              <a:t>그룹 이름</a:t>
+            </a:r>
+            <a:r>
+              <a:rPr lang="en-US" altLang="ko-KR" sz="1600" b="1" dirty="0">
+                <a:latin typeface="Arial Unicode MS" panose="020B0604020202020204" pitchFamily="50" charset="-127"/>
+                <a:ea typeface="Arial Unicode MS" panose="020B0604020202020204" pitchFamily="50" charset="-127"/>
+                <a:cs typeface="Arial Unicode MS" panose="020B0604020202020204" pitchFamily="50" charset="-127"/>
+              </a:rPr>
+              <a:t>&gt;)</a:t>
+            </a:r>
+            <a:endParaRPr lang="ko-KR" altLang="en-US" sz="1600" b="1" dirty="0">
+              <a:latin typeface="Arial Unicode MS" panose="020B0604020202020204" pitchFamily="50" charset="-127"/>
+              <a:ea typeface="Arial Unicode MS" panose="020B0604020202020204" pitchFamily="50" charset="-127"/>
+              <a:cs typeface="Arial Unicode MS" panose="020B0604020202020204" pitchFamily="50" charset="-127"/>
+            </a:endParaRPr>
+          </a:p>
+        </p:txBody>
+      </p:sp>
       <p:pic>
         <p:nvPicPr>
-          <p:cNvPr id="5" name="그림 4"/>
+          <p:cNvPr id="3" name="그림 2"/>
           <p:cNvPicPr>
             <a:picLocks noChangeAspect="1"/>
           </p:cNvPicPr>
@@ -10026,8 +10049,8 @@
         </p:blipFill>
         <p:spPr>
           <a:xfrm>
-            <a:off x="1742999" y="2348880"/>
-            <a:ext cx="5586265" cy="1605633"/>
+            <a:off x="1568624" y="2959267"/>
+            <a:ext cx="6469638" cy="3138735"/>
           </a:xfrm>
           <a:prstGeom prst="rect">
             <a:avLst/>
@@ -10041,83 +10064,9 @@
           </a:ln>
         </p:spPr>
       </p:pic>
-      <p:sp>
-        <p:nvSpPr>
-          <p:cNvPr id="6" name="직사각형 5"/>
-          <p:cNvSpPr/>
-          <p:nvPr/>
-        </p:nvSpPr>
-        <p:spPr>
-          <a:xfrm>
-            <a:off x="1670112" y="4119463"/>
-            <a:ext cx="6667264" cy="461665"/>
-          </a:xfrm>
-          <a:prstGeom prst="rect">
-            <a:avLst/>
-          </a:prstGeom>
-        </p:spPr>
-        <p:txBody>
-          <a:bodyPr wrap="square">
-            <a:spAutoFit/>
-          </a:bodyPr>
-          <a:lstStyle/>
-          <a:p>
-            <a:pPr>
-              <a:lnSpc>
-                <a:spcPct val="150000"/>
-              </a:lnSpc>
-            </a:pPr>
-            <a:r>
-              <a:rPr lang="ko-KR" altLang="en-US" sz="1600" dirty="0" smtClean="0">
-                <a:latin typeface="Arial Unicode MS" panose="020B0604020202020204" pitchFamily="50" charset="-127"/>
-                <a:ea typeface="Arial Unicode MS" panose="020B0604020202020204" pitchFamily="50" charset="-127"/>
-                <a:cs typeface="Arial Unicode MS" panose="020B0604020202020204" pitchFamily="50" charset="-127"/>
-              </a:rPr>
-              <a:t>참조 구문 사용하기 </a:t>
-            </a:r>
-            <a:r>
-              <a:rPr lang="en-US" altLang="ko-KR" sz="1600" b="1" dirty="0" smtClean="0">
-                <a:latin typeface="Arial Unicode MS" panose="020B0604020202020204" pitchFamily="50" charset="-127"/>
-                <a:ea typeface="Arial Unicode MS" panose="020B0604020202020204" pitchFamily="50" charset="-127"/>
-                <a:cs typeface="Arial Unicode MS" panose="020B0604020202020204" pitchFamily="50" charset="-127"/>
-              </a:rPr>
-              <a:t>- sub</a:t>
-            </a:r>
-            <a:r>
-              <a:rPr lang="en-US" altLang="ko-KR" sz="1600" b="1" dirty="0">
-                <a:latin typeface="Arial Unicode MS" panose="020B0604020202020204" pitchFamily="50" charset="-127"/>
-                <a:ea typeface="Arial Unicode MS" panose="020B0604020202020204" pitchFamily="50" charset="-127"/>
-                <a:cs typeface="Arial Unicode MS" panose="020B0604020202020204" pitchFamily="50" charset="-127"/>
-              </a:rPr>
-              <a:t>(\g &lt;</a:t>
-            </a:r>
-            <a:r>
-              <a:rPr lang="ko-KR" altLang="en-US" sz="1600" b="1" dirty="0">
-                <a:latin typeface="Arial Unicode MS" panose="020B0604020202020204" pitchFamily="50" charset="-127"/>
-                <a:ea typeface="Arial Unicode MS" panose="020B0604020202020204" pitchFamily="50" charset="-127"/>
-                <a:cs typeface="Arial Unicode MS" panose="020B0604020202020204" pitchFamily="50" charset="-127"/>
-              </a:rPr>
-              <a:t>그룹 이름</a:t>
-            </a:r>
-            <a:r>
-              <a:rPr lang="en-US" altLang="ko-KR" sz="1600" b="1" dirty="0">
-                <a:latin typeface="Arial Unicode MS" panose="020B0604020202020204" pitchFamily="50" charset="-127"/>
-                <a:ea typeface="Arial Unicode MS" panose="020B0604020202020204" pitchFamily="50" charset="-127"/>
-                <a:cs typeface="Arial Unicode MS" panose="020B0604020202020204" pitchFamily="50" charset="-127"/>
-              </a:rPr>
-              <a:t>&gt;)</a:t>
-            </a:r>
-            <a:endParaRPr lang="ko-KR" altLang="en-US" sz="1600" b="1" dirty="0">
-              <a:latin typeface="Arial Unicode MS" panose="020B0604020202020204" pitchFamily="50" charset="-127"/>
-              <a:ea typeface="Arial Unicode MS" panose="020B0604020202020204" pitchFamily="50" charset="-127"/>
-              <a:cs typeface="Arial Unicode MS" panose="020B0604020202020204" pitchFamily="50" charset="-127"/>
-            </a:endParaRPr>
-          </a:p>
-        </p:txBody>
-      </p:sp>
       <p:pic>
         <p:nvPicPr>
-          <p:cNvPr id="8" name="그림 7"/>
+          <p:cNvPr id="7" name="그림 6"/>
           <p:cNvPicPr>
             <a:picLocks noChangeAspect="1"/>
           </p:cNvPicPr>
@@ -10137,8 +10086,8 @@
         </p:blipFill>
         <p:spPr>
           <a:xfrm>
-            <a:off x="1742999" y="4653135"/>
-            <a:ext cx="5154217" cy="1065309"/>
+            <a:off x="6495078" y="5085184"/>
+            <a:ext cx="3086367" cy="800169"/>
           </a:xfrm>
           <a:prstGeom prst="rect">
             <a:avLst/>
@@ -10306,7 +10255,7 @@
       </p:sp>
       <p:pic>
         <p:nvPicPr>
-          <p:cNvPr id="3" name="그림 2"/>
+          <p:cNvPr id="6" name="그림 5"/>
           <p:cNvPicPr>
             <a:picLocks noChangeAspect="1"/>
           </p:cNvPicPr>
@@ -10326,8 +10275,8 @@
         </p:blipFill>
         <p:spPr>
           <a:xfrm>
-            <a:off x="1688773" y="2563203"/>
-            <a:ext cx="4536504" cy="2533903"/>
+            <a:off x="5021537" y="5440338"/>
+            <a:ext cx="1953093" cy="792088"/>
           </a:xfrm>
           <a:prstGeom prst="rect">
             <a:avLst/>
@@ -10341,9 +10290,91 @@
           </a:ln>
         </p:spPr>
       </p:pic>
+      <p:sp>
+        <p:nvSpPr>
+          <p:cNvPr id="7" name="직사각형 6"/>
+          <p:cNvSpPr/>
+          <p:nvPr/>
+        </p:nvSpPr>
+        <p:spPr>
+          <a:xfrm>
+            <a:off x="1496616" y="1887059"/>
+            <a:ext cx="4536504" cy="507831"/>
+          </a:xfrm>
+          <a:prstGeom prst="rect">
+            <a:avLst/>
+          </a:prstGeom>
+        </p:spPr>
+        <p:txBody>
+          <a:bodyPr wrap="square">
+            <a:spAutoFit/>
+          </a:bodyPr>
+          <a:lstStyle/>
+          <a:p>
+            <a:pPr>
+              <a:lnSpc>
+                <a:spcPct val="150000"/>
+              </a:lnSpc>
+            </a:pPr>
+            <a:r>
+              <a:rPr lang="ko-KR" altLang="en-US" dirty="0" smtClean="0">
+                <a:latin typeface="Arial Unicode MS" panose="020B0604020202020204" pitchFamily="50" charset="-127"/>
+                <a:ea typeface="Arial Unicode MS" panose="020B0604020202020204" pitchFamily="50" charset="-127"/>
+                <a:cs typeface="Arial Unicode MS" panose="020B0604020202020204" pitchFamily="50" charset="-127"/>
+              </a:rPr>
+              <a:t>참조 번호 사용하기 </a:t>
+            </a:r>
+            <a:r>
+              <a:rPr lang="en-US" altLang="ko-KR" b="1" dirty="0" smtClean="0">
+                <a:latin typeface="Arial Unicode MS" panose="020B0604020202020204" pitchFamily="50" charset="-127"/>
+                <a:ea typeface="Arial Unicode MS" panose="020B0604020202020204" pitchFamily="50" charset="-127"/>
+                <a:cs typeface="Arial Unicode MS" panose="020B0604020202020204" pitchFamily="50" charset="-127"/>
+              </a:rPr>
+              <a:t>- sub</a:t>
+            </a:r>
+            <a:r>
+              <a:rPr lang="en-US" altLang="ko-KR" b="1" dirty="0">
+                <a:latin typeface="Arial Unicode MS" panose="020B0604020202020204" pitchFamily="50" charset="-127"/>
+                <a:ea typeface="Arial Unicode MS" panose="020B0604020202020204" pitchFamily="50" charset="-127"/>
+                <a:cs typeface="Arial Unicode MS" panose="020B0604020202020204" pitchFamily="50" charset="-127"/>
+              </a:rPr>
+              <a:t>(\g </a:t>
+            </a:r>
+            <a:r>
+              <a:rPr lang="en-US" altLang="ko-KR" b="1" dirty="0" smtClean="0">
+                <a:latin typeface="Arial Unicode MS" panose="020B0604020202020204" pitchFamily="50" charset="-127"/>
+                <a:ea typeface="Arial Unicode MS" panose="020B0604020202020204" pitchFamily="50" charset="-127"/>
+                <a:cs typeface="Arial Unicode MS" panose="020B0604020202020204" pitchFamily="50" charset="-127"/>
+              </a:rPr>
+              <a:t>&lt;</a:t>
+            </a:r>
+            <a:r>
+              <a:rPr lang="ko-KR" altLang="en-US" b="1" dirty="0" smtClean="0">
+                <a:latin typeface="Arial Unicode MS" panose="020B0604020202020204" pitchFamily="50" charset="-127"/>
+                <a:ea typeface="Arial Unicode MS" panose="020B0604020202020204" pitchFamily="50" charset="-127"/>
+                <a:cs typeface="Arial Unicode MS" panose="020B0604020202020204" pitchFamily="50" charset="-127"/>
+              </a:rPr>
+              <a:t>그룹번호</a:t>
+            </a:r>
+            <a:r>
+              <a:rPr lang="en-US" altLang="ko-KR" b="1" dirty="0" smtClean="0">
+                <a:latin typeface="Arial Unicode MS" panose="020B0604020202020204" pitchFamily="50" charset="-127"/>
+                <a:ea typeface="Arial Unicode MS" panose="020B0604020202020204" pitchFamily="50" charset="-127"/>
+                <a:cs typeface="Arial Unicode MS" panose="020B0604020202020204" pitchFamily="50" charset="-127"/>
+              </a:rPr>
+              <a:t>&gt;)</a:t>
+            </a:r>
+            <a:endParaRPr lang="ko-KR" altLang="en-US" b="1" dirty="0">
+              <a:latin typeface="Arial Unicode MS" panose="020B0604020202020204" pitchFamily="50" charset="-127"/>
+              <a:ea typeface="Arial Unicode MS" panose="020B0604020202020204" pitchFamily="50" charset="-127"/>
+              <a:cs typeface="Arial Unicode MS" panose="020B0604020202020204" pitchFamily="50" charset="-127"/>
+            </a:endParaRPr>
+          </a:p>
+        </p:txBody>
+      </p:sp>
       <p:pic>
         <p:nvPicPr>
-          <p:cNvPr id="6" name="그림 5"/>
+          <p:cNvPr id="5" name="그림 4"/>
           <p:cNvPicPr>
             <a:picLocks noChangeAspect="1"/>
           </p:cNvPicPr>
@@ -10363,8 +10394,8 @@
         </p:blipFill>
         <p:spPr>
           <a:xfrm>
-            <a:off x="4366031" y="5304251"/>
-            <a:ext cx="1953093" cy="792088"/>
+            <a:off x="2015526" y="2698875"/>
+            <a:ext cx="4960050" cy="2287231"/>
           </a:xfrm>
           <a:prstGeom prst="rect">
             <a:avLst/>
@@ -10378,88 +10409,6 @@
           </a:ln>
         </p:spPr>
       </p:pic>
-      <p:sp>
-        <p:nvSpPr>
-          <p:cNvPr id="7" name="직사각형 6"/>
-          <p:cNvSpPr/>
-          <p:nvPr/>
-        </p:nvSpPr>
-        <p:spPr>
-          <a:xfrm>
-            <a:off x="1496616" y="1887059"/>
-            <a:ext cx="4536504" cy="507831"/>
-          </a:xfrm>
-          <a:prstGeom prst="rect">
-            <a:avLst/>
-          </a:prstGeom>
-        </p:spPr>
-        <p:txBody>
-          <a:bodyPr wrap="square">
-            <a:spAutoFit/>
-          </a:bodyPr>
-          <a:lstStyle/>
-          <a:p>
-            <a:pPr>
-              <a:lnSpc>
-                <a:spcPct val="150000"/>
-              </a:lnSpc>
-            </a:pPr>
-            <a:r>
-              <a:rPr lang="ko-KR" altLang="en-US" dirty="0" smtClean="0">
-                <a:latin typeface="Arial Unicode MS" panose="020B0604020202020204" pitchFamily="50" charset="-127"/>
-                <a:ea typeface="Arial Unicode MS" panose="020B0604020202020204" pitchFamily="50" charset="-127"/>
-                <a:cs typeface="Arial Unicode MS" panose="020B0604020202020204" pitchFamily="50" charset="-127"/>
-              </a:rPr>
-              <a:t>참조 번호 사용하기 </a:t>
-            </a:r>
-            <a:r>
-              <a:rPr lang="en-US" altLang="ko-KR" b="1" dirty="0" smtClean="0">
-                <a:latin typeface="Arial Unicode MS" panose="020B0604020202020204" pitchFamily="50" charset="-127"/>
-                <a:ea typeface="Arial Unicode MS" panose="020B0604020202020204" pitchFamily="50" charset="-127"/>
-                <a:cs typeface="Arial Unicode MS" panose="020B0604020202020204" pitchFamily="50" charset="-127"/>
-              </a:rPr>
-              <a:t>- sub</a:t>
-            </a:r>
-            <a:r>
-              <a:rPr lang="en-US" altLang="ko-KR" b="1" dirty="0">
-                <a:latin typeface="Arial Unicode MS" panose="020B0604020202020204" pitchFamily="50" charset="-127"/>
-                <a:ea typeface="Arial Unicode MS" panose="020B0604020202020204" pitchFamily="50" charset="-127"/>
-                <a:cs typeface="Arial Unicode MS" panose="020B0604020202020204" pitchFamily="50" charset="-127"/>
-              </a:rPr>
-              <a:t>(\g </a:t>
-            </a:r>
-            <a:r>
-              <a:rPr lang="en-US" altLang="ko-KR" b="1" dirty="0" smtClean="0">
-                <a:latin typeface="Arial Unicode MS" panose="020B0604020202020204" pitchFamily="50" charset="-127"/>
-                <a:ea typeface="Arial Unicode MS" panose="020B0604020202020204" pitchFamily="50" charset="-127"/>
-                <a:cs typeface="Arial Unicode MS" panose="020B0604020202020204" pitchFamily="50" charset="-127"/>
-              </a:rPr>
-              <a:t>&lt;</a:t>
-            </a:r>
-            <a:r>
-              <a:rPr lang="ko-KR" altLang="en-US" b="1" dirty="0" smtClean="0">
-                <a:latin typeface="Arial Unicode MS" panose="020B0604020202020204" pitchFamily="50" charset="-127"/>
-                <a:ea typeface="Arial Unicode MS" panose="020B0604020202020204" pitchFamily="50" charset="-127"/>
-                <a:cs typeface="Arial Unicode MS" panose="020B0604020202020204" pitchFamily="50" charset="-127"/>
-              </a:rPr>
-              <a:t>그룹번호</a:t>
-            </a:r>
-            <a:r>
-              <a:rPr lang="en-US" altLang="ko-KR" b="1" dirty="0" smtClean="0">
-                <a:latin typeface="Arial Unicode MS" panose="020B0604020202020204" pitchFamily="50" charset="-127"/>
-                <a:ea typeface="Arial Unicode MS" panose="020B0604020202020204" pitchFamily="50" charset="-127"/>
-                <a:cs typeface="Arial Unicode MS" panose="020B0604020202020204" pitchFamily="50" charset="-127"/>
-              </a:rPr>
-              <a:t>&gt;)</a:t>
-            </a:r>
-            <a:endParaRPr lang="ko-KR" altLang="en-US" b="1" dirty="0">
-              <a:latin typeface="Arial Unicode MS" panose="020B0604020202020204" pitchFamily="50" charset="-127"/>
-              <a:ea typeface="Arial Unicode MS" panose="020B0604020202020204" pitchFamily="50" charset="-127"/>
-              <a:cs typeface="Arial Unicode MS" panose="020B0604020202020204" pitchFamily="50" charset="-127"/>
-            </a:endParaRPr>
-          </a:p>
-        </p:txBody>
-      </p:sp>
     </p:spTree>
     <p:extLst>
       <p:ext uri="{BB962C8B-B14F-4D97-AF65-F5344CB8AC3E}">
@@ -12171,14 +12120,14 @@
           <p:nvPr>
             <p:extLst>
               <p:ext uri="{D42A27DB-BD31-4B8C-83A1-F6EECF244321}">
-                <p14:modId xmlns:p14="http://schemas.microsoft.com/office/powerpoint/2010/main" val="2891555205"/>
+                <p14:modId xmlns:p14="http://schemas.microsoft.com/office/powerpoint/2010/main" val="2476200349"/>
               </p:ext>
             </p:extLst>
           </p:nvPr>
         </p:nvGraphicFramePr>
         <p:xfrm>
           <a:off x="1280592" y="1991274"/>
-          <a:ext cx="7920880" cy="3108960"/>
+          <a:ext cx="7920880" cy="3381943"/>
         </p:xfrm>
         <a:graphic>
           <a:graphicData uri="http://schemas.openxmlformats.org/drawingml/2006/table">
@@ -12202,7 +12151,7 @@
                   </a:extLst>
                 </a:gridCol>
               </a:tblGrid>
-              <a:tr h="312190">
+              <a:tr h="397876">
                 <a:tc>
                   <a:txBody>
                     <a:bodyPr/>
@@ -12257,7 +12206,7 @@
                   </a:ext>
                 </a:extLst>
               </a:tr>
-              <a:tr h="735219">
+              <a:tr h="994689">
                 <a:tc>
                   <a:txBody>
                     <a:bodyPr/>
@@ -12351,7 +12300,7 @@
                   </a:ext>
                 </a:extLst>
               </a:tr>
-              <a:tr h="735219">
+              <a:tr h="994689">
                 <a:tc>
                   <a:txBody>
                     <a:bodyPr/>
@@ -12445,7 +12394,7 @@
                   </a:ext>
                 </a:extLst>
               </a:tr>
-              <a:tr h="735219">
+              <a:tr h="994689">
                 <a:tc>
                   <a:txBody>
                     <a:bodyPr/>
@@ -12469,7 +12418,7 @@
                       </a:pPr>
                       <a:r>
                         <a:rPr lang="en-US" altLang="ko-KR" sz="1800" b="0" dirty="0" smtClean="0"/>
-                        <a:t>Disallow: /temp/</a:t>
+                        <a:t>allow: /temp/</a:t>
                       </a:r>
                     </a:p>
                   </a:txBody>
@@ -14854,7 +14803,7 @@
         <p:spPr>
           <a:xfrm>
             <a:off x="1127448" y="1340768"/>
-            <a:ext cx="4977679" cy="369332"/>
+            <a:ext cx="5553744" cy="369332"/>
           </a:xfrm>
           <a:prstGeom prst="rect">
             <a:avLst/>
@@ -14877,11 +14826,19 @@
             </a:r>
             <a:r>
               <a:rPr lang="en-US" altLang="ko-KR" b="1" dirty="0" smtClean="0"/>
-              <a:t>ind()</a:t>
+              <a:t>ind</a:t>
+            </a:r>
+            <a:r>
+              <a:rPr lang="en-US" altLang="ko-KR" b="1" smtClean="0"/>
+              <a:t>()</a:t>
             </a:r>
             <a:r>
               <a:rPr lang="ko-KR" altLang="en-US" dirty="0"/>
               <a:t> </a:t>
+            </a:r>
+            <a:r>
+              <a:rPr lang="ko-KR" altLang="en-US" dirty="0" smtClean="0"/>
+              <a:t>함수</a:t>
             </a:r>
             <a:r>
               <a:rPr lang="en-US" altLang="ko-KR" dirty="0" smtClean="0"/>
@@ -15376,19 +15333,15 @@
             </a:r>
             <a:r>
               <a:rPr lang="ko-KR" altLang="en-US" dirty="0" err="1" smtClean="0"/>
-              <a:t>위키디피아</a:t>
+              <a:t>네이버에서</a:t>
             </a:r>
             <a:r>
               <a:rPr lang="ko-KR" altLang="en-US" dirty="0" smtClean="0"/>
-              <a:t> </a:t>
-            </a:r>
-            <a:r>
-              <a:rPr lang="en-US" altLang="ko-KR" dirty="0" smtClean="0"/>
-              <a:t>– </a:t>
-            </a:r>
-            <a:r>
-              <a:rPr lang="ko-KR" altLang="en-US" dirty="0" smtClean="0"/>
-              <a:t>서울 지하철</a:t>
+              <a:t> 웹 </a:t>
+            </a:r>
+            <a:r>
+              <a:rPr lang="ko-KR" altLang="en-US" dirty="0" err="1" smtClean="0"/>
+              <a:t>크롤링하기</a:t>
             </a:r>
             <a:endParaRPr lang="ko-KR" altLang="en-US" dirty="0"/>
           </a:p>
@@ -15412,922 +15365,6 @@
             <a:fld id="{1BDE3FE7-3AEA-4B05-AC5A-802D1816ACF0}" type="slidenum">
               <a:rPr lang="ko-KR" altLang="en-US" smtClean="0"/>
               <a:t>33</a:t>
-            </a:fld>
-            <a:endParaRPr lang="ko-KR" altLang="en-US"/>
-          </a:p>
-        </p:txBody>
-      </p:sp>
-      <p:sp>
-        <p:nvSpPr>
-          <p:cNvPr id="14" name="TextBox 13"/>
-          <p:cNvSpPr txBox="1"/>
-          <p:nvPr/>
-        </p:nvSpPr>
-        <p:spPr>
-          <a:xfrm>
-            <a:off x="986559" y="1218818"/>
-            <a:ext cx="6054673" cy="1015663"/>
-          </a:xfrm>
-          <a:prstGeom prst="rect">
-            <a:avLst/>
-          </a:prstGeom>
-          <a:noFill/>
-          <a:ln>
-            <a:noFill/>
-          </a:ln>
-        </p:spPr>
-        <p:style>
-          <a:lnRef idx="1">
-            <a:schemeClr val="accent3"/>
-          </a:lnRef>
-          <a:fillRef idx="2">
-            <a:schemeClr val="accent3"/>
-          </a:fillRef>
-          <a:effectRef idx="1">
-            <a:schemeClr val="accent3"/>
-          </a:effectRef>
-          <a:fontRef idx="minor">
-            <a:schemeClr val="dk1"/>
-          </a:fontRef>
-        </p:style>
-        <p:txBody>
-          <a:bodyPr wrap="square" rtlCol="0">
-            <a:spAutoFit/>
-          </a:bodyPr>
-          <a:lstStyle/>
-          <a:p>
-            <a:pPr marL="342900" indent="-342900">
-              <a:lnSpc>
-                <a:spcPct val="150000"/>
-              </a:lnSpc>
-              <a:buFont typeface="Wingdings" panose="05000000000000000000" pitchFamily="2" charset="2"/>
-              <a:buChar char="§"/>
-            </a:pPr>
-            <a:r>
-              <a:rPr lang="ko-KR" altLang="en-US" sz="2000" dirty="0" err="1" smtClean="0">
-                <a:latin typeface="+mn-ea"/>
-              </a:rPr>
-              <a:t>구글에</a:t>
-            </a:r>
-            <a:r>
-              <a:rPr lang="ko-KR" altLang="en-US" sz="2000" dirty="0" err="1">
-                <a:latin typeface="+mn-ea"/>
-              </a:rPr>
-              <a:t>서</a:t>
-            </a:r>
-            <a:r>
-              <a:rPr lang="ko-KR" altLang="en-US" sz="2000" dirty="0" smtClean="0">
-                <a:latin typeface="+mn-ea"/>
-              </a:rPr>
-              <a:t> </a:t>
-            </a:r>
-            <a:r>
-              <a:rPr lang="en-US" altLang="ko-KR" sz="2000" dirty="0" smtClean="0">
-                <a:latin typeface="+mn-ea"/>
-              </a:rPr>
-              <a:t>‘Seoul Subway’ </a:t>
-            </a:r>
-            <a:r>
-              <a:rPr lang="ko-KR" altLang="en-US" sz="2000" dirty="0" smtClean="0">
-                <a:latin typeface="+mn-ea"/>
-              </a:rPr>
-              <a:t>검색 </a:t>
-            </a:r>
-            <a:r>
-              <a:rPr lang="en-US" altLang="ko-KR" sz="2000" dirty="0" smtClean="0">
-                <a:latin typeface="+mn-ea"/>
-              </a:rPr>
-              <a:t>&gt;  </a:t>
-            </a:r>
-            <a:r>
-              <a:rPr lang="ko-KR" altLang="en-US" sz="2000" dirty="0" err="1" smtClean="0">
-                <a:latin typeface="+mn-ea"/>
-              </a:rPr>
-              <a:t>위키디피아</a:t>
-            </a:r>
-            <a:endParaRPr lang="en-US" altLang="ko-KR" sz="2000" dirty="0" smtClean="0">
-              <a:latin typeface="+mn-ea"/>
-            </a:endParaRPr>
-          </a:p>
-          <a:p>
-            <a:pPr lvl="1">
-              <a:lnSpc>
-                <a:spcPct val="150000"/>
-              </a:lnSpc>
-            </a:pPr>
-            <a:r>
-              <a:rPr lang="en-US" altLang="ko-KR" sz="2000" dirty="0" smtClean="0">
-                <a:latin typeface="+mn-ea"/>
-              </a:rPr>
-              <a:t>&lt;head&gt; </a:t>
-            </a:r>
-            <a:r>
-              <a:rPr lang="ko-KR" altLang="en-US" sz="2000" dirty="0" smtClean="0">
-                <a:latin typeface="+mn-ea"/>
-              </a:rPr>
-              <a:t>태그의 </a:t>
-            </a:r>
-            <a:r>
-              <a:rPr lang="en-US" altLang="ko-KR" sz="2000" dirty="0" smtClean="0">
-                <a:latin typeface="+mn-ea"/>
-              </a:rPr>
-              <a:t>&lt;title&gt; </a:t>
-            </a:r>
-            <a:r>
-              <a:rPr lang="ko-KR" altLang="en-US" sz="2000" dirty="0" err="1" smtClean="0">
-                <a:latin typeface="+mn-ea"/>
-              </a:rPr>
-              <a:t>스크래핑하기</a:t>
-            </a:r>
-            <a:r>
-              <a:rPr lang="ko-KR" altLang="en-US" sz="2000" dirty="0" smtClean="0">
-                <a:latin typeface="+mn-ea"/>
-              </a:rPr>
-              <a:t> </a:t>
-            </a:r>
-            <a:endParaRPr lang="en-US" altLang="ko-KR" sz="2000" dirty="0" smtClean="0">
-              <a:latin typeface="+mn-ea"/>
-            </a:endParaRPr>
-          </a:p>
-        </p:txBody>
-      </p:sp>
-      <p:pic>
-        <p:nvPicPr>
-          <p:cNvPr id="3" name="그림 2"/>
-          <p:cNvPicPr>
-            <a:picLocks noChangeAspect="1"/>
-          </p:cNvPicPr>
-          <p:nvPr/>
-        </p:nvPicPr>
-        <p:blipFill>
-          <a:blip r:embed="rId2">
-            <a:extLst>
-              <a:ext uri="{28A0092B-C50C-407E-A947-70E740481C1C}">
-                <a14:useLocalDpi xmlns:a14="http://schemas.microsoft.com/office/drawing/2010/main" val="0"/>
-              </a:ext>
-            </a:extLst>
-          </a:blip>
-          <a:stretch>
-            <a:fillRect/>
-          </a:stretch>
-        </p:blipFill>
-        <p:spPr>
-          <a:xfrm>
-            <a:off x="2576735" y="3356992"/>
-            <a:ext cx="4032449" cy="3372048"/>
-          </a:xfrm>
-          <a:prstGeom prst="rect">
-            <a:avLst/>
-          </a:prstGeom>
-          <a:ln>
-            <a:solidFill>
-              <a:schemeClr val="bg1">
-                <a:lumMod val="85000"/>
-              </a:schemeClr>
-            </a:solidFill>
-          </a:ln>
-        </p:spPr>
-      </p:pic>
-      <p:pic>
-        <p:nvPicPr>
-          <p:cNvPr id="8" name="그림 7"/>
-          <p:cNvPicPr>
-            <a:picLocks noChangeAspect="1"/>
-          </p:cNvPicPr>
-          <p:nvPr/>
-        </p:nvPicPr>
-        <p:blipFill>
-          <a:blip r:embed="rId3">
-            <a:extLst>
-              <a:ext uri="{28A0092B-C50C-407E-A947-70E740481C1C}">
-                <a14:useLocalDpi xmlns:a14="http://schemas.microsoft.com/office/drawing/2010/main" val="0"/>
-              </a:ext>
-            </a:extLst>
-          </a:blip>
-          <a:stretch>
-            <a:fillRect/>
-          </a:stretch>
-        </p:blipFill>
-        <p:spPr>
-          <a:xfrm>
-            <a:off x="1470924" y="2315764"/>
-            <a:ext cx="7121422" cy="961759"/>
-          </a:xfrm>
-          <a:prstGeom prst="rect">
-            <a:avLst/>
-          </a:prstGeom>
-          <a:ln>
-            <a:solidFill>
-              <a:schemeClr val="bg1">
-                <a:lumMod val="85000"/>
-              </a:schemeClr>
-            </a:solidFill>
-          </a:ln>
-        </p:spPr>
-      </p:pic>
-    </p:spTree>
-    <p:extLst>
-      <p:ext uri="{BB962C8B-B14F-4D97-AF65-F5344CB8AC3E}">
-        <p14:creationId xmlns:p14="http://schemas.microsoft.com/office/powerpoint/2010/main" val="972660732"/>
-      </p:ext>
-    </p:extLst>
-  </p:cSld>
-  <p:clrMapOvr>
-    <a:masterClrMapping/>
-  </p:clrMapOvr>
-  <p:timing>
-    <p:tnLst>
-      <p:par>
-        <p:cTn id="1" dur="indefinite" restart="never" nodeType="tmRoot"/>
-      </p:par>
-    </p:tnLst>
-  </p:timing>
-</p:sld>
-</file>
-
-<file path=ppt/slides/slide34.xml><?xml version="1.0" encoding="utf-8"?>
-<p:sld xmlns:a="http://schemas.openxmlformats.org/drawingml/2006/main" xmlns:r="http://schemas.openxmlformats.org/officeDocument/2006/relationships" xmlns:p="http://schemas.openxmlformats.org/presentationml/2006/main">
-  <p:cSld>
-    <p:spTree>
-      <p:nvGrpSpPr>
-        <p:cNvPr id="1" name=""/>
-        <p:cNvGrpSpPr/>
-        <p:nvPr/>
-      </p:nvGrpSpPr>
-      <p:grpSpPr>
-        <a:xfrm>
-          <a:off x="0" y="0"/>
-          <a:ext cx="0" cy="0"/>
-          <a:chOff x="0" y="0"/>
-          <a:chExt cx="0" cy="0"/>
-        </a:xfrm>
-      </p:grpSpPr>
-      <p:sp>
-        <p:nvSpPr>
-          <p:cNvPr id="2" name="제목 1"/>
-          <p:cNvSpPr>
-            <a:spLocks noGrp="1"/>
-          </p:cNvSpPr>
-          <p:nvPr>
-            <p:ph type="title"/>
-          </p:nvPr>
-        </p:nvSpPr>
-        <p:spPr/>
-        <p:txBody>
-          <a:bodyPr/>
-          <a:lstStyle/>
-          <a:p>
-            <a:r>
-              <a:rPr lang="en-US" altLang="ko-KR" dirty="0"/>
-              <a:t> </a:t>
-            </a:r>
-            <a:r>
-              <a:rPr lang="ko-KR" altLang="en-US" dirty="0" err="1" smtClean="0"/>
-              <a:t>위키디피아</a:t>
-            </a:r>
-            <a:r>
-              <a:rPr lang="ko-KR" altLang="en-US" dirty="0" smtClean="0"/>
-              <a:t> </a:t>
-            </a:r>
-            <a:r>
-              <a:rPr lang="en-US" altLang="ko-KR" dirty="0" smtClean="0"/>
-              <a:t>– </a:t>
-            </a:r>
-            <a:r>
-              <a:rPr lang="ko-KR" altLang="en-US" dirty="0" smtClean="0"/>
-              <a:t>서울 지하철</a:t>
-            </a:r>
-            <a:endParaRPr lang="ko-KR" altLang="en-US" dirty="0"/>
-          </a:p>
-        </p:txBody>
-      </p:sp>
-      <p:sp>
-        <p:nvSpPr>
-          <p:cNvPr id="4" name="슬라이드 번호 개체 틀 3"/>
-          <p:cNvSpPr>
-            <a:spLocks noGrp="1"/>
-          </p:cNvSpPr>
-          <p:nvPr>
-            <p:ph type="sldNum" sz="quarter" idx="12"/>
-          </p:nvPr>
-        </p:nvSpPr>
-        <p:spPr/>
-        <p:txBody>
-          <a:bodyPr/>
-          <a:lstStyle/>
-          <a:p>
-            <a:fld id="{1BDE3FE7-3AEA-4B05-AC5A-802D1816ACF0}" type="slidenum">
-              <a:rPr lang="ko-KR" altLang="en-US" smtClean="0"/>
-              <a:t>34</a:t>
-            </a:fld>
-            <a:endParaRPr lang="ko-KR" altLang="en-US"/>
-          </a:p>
-        </p:txBody>
-      </p:sp>
-      <p:pic>
-        <p:nvPicPr>
-          <p:cNvPr id="6" name="그림 5"/>
-          <p:cNvPicPr>
-            <a:picLocks noChangeAspect="1"/>
-          </p:cNvPicPr>
-          <p:nvPr/>
-        </p:nvPicPr>
-        <p:blipFill>
-          <a:blip r:embed="rId2">
-            <a:extLst>
-              <a:ext uri="{28A0092B-C50C-407E-A947-70E740481C1C}">
-                <a14:useLocalDpi xmlns:a14="http://schemas.microsoft.com/office/drawing/2010/main" val="0"/>
-              </a:ext>
-            </a:extLst>
-          </a:blip>
-          <a:stretch>
-            <a:fillRect/>
-          </a:stretch>
-        </p:blipFill>
-        <p:spPr>
-          <a:xfrm>
-            <a:off x="1435629" y="1700808"/>
-            <a:ext cx="6828112" cy="3863675"/>
-          </a:xfrm>
-          <a:prstGeom prst="rect">
-            <a:avLst/>
-          </a:prstGeom>
-          <a:ln>
-            <a:solidFill>
-              <a:schemeClr val="bg1">
-                <a:lumMod val="85000"/>
-              </a:schemeClr>
-            </a:solidFill>
-          </a:ln>
-        </p:spPr>
-      </p:pic>
-    </p:spTree>
-    <p:extLst>
-      <p:ext uri="{BB962C8B-B14F-4D97-AF65-F5344CB8AC3E}">
-        <p14:creationId xmlns:p14="http://schemas.microsoft.com/office/powerpoint/2010/main" val="1105045966"/>
-      </p:ext>
-    </p:extLst>
-  </p:cSld>
-  <p:clrMapOvr>
-    <a:masterClrMapping/>
-  </p:clrMapOvr>
-  <p:timing>
-    <p:tnLst>
-      <p:par>
-        <p:cTn id="1" dur="indefinite" restart="never" nodeType="tmRoot"/>
-      </p:par>
-    </p:tnLst>
-  </p:timing>
-</p:sld>
-</file>
-
-<file path=ppt/slides/slide35.xml><?xml version="1.0" encoding="utf-8"?>
-<p:sld xmlns:a="http://schemas.openxmlformats.org/drawingml/2006/main" xmlns:r="http://schemas.openxmlformats.org/officeDocument/2006/relationships" xmlns:p="http://schemas.openxmlformats.org/presentationml/2006/main">
-  <p:cSld>
-    <p:spTree>
-      <p:nvGrpSpPr>
-        <p:cNvPr id="1" name=""/>
-        <p:cNvGrpSpPr/>
-        <p:nvPr/>
-      </p:nvGrpSpPr>
-      <p:grpSpPr>
-        <a:xfrm>
-          <a:off x="0" y="0"/>
-          <a:ext cx="0" cy="0"/>
-          <a:chOff x="0" y="0"/>
-          <a:chExt cx="0" cy="0"/>
-        </a:xfrm>
-      </p:grpSpPr>
-      <p:sp>
-        <p:nvSpPr>
-          <p:cNvPr id="2" name="제목 1"/>
-          <p:cNvSpPr>
-            <a:spLocks noGrp="1"/>
-          </p:cNvSpPr>
-          <p:nvPr>
-            <p:ph type="title"/>
-          </p:nvPr>
-        </p:nvSpPr>
-        <p:spPr/>
-        <p:txBody>
-          <a:bodyPr/>
-          <a:lstStyle/>
-          <a:p>
-            <a:r>
-              <a:rPr lang="en-US" altLang="ko-KR" dirty="0"/>
-              <a:t> </a:t>
-            </a:r>
-            <a:r>
-              <a:rPr lang="ko-KR" altLang="en-US" dirty="0" err="1" smtClean="0"/>
-              <a:t>위키디피아</a:t>
-            </a:r>
-            <a:r>
-              <a:rPr lang="ko-KR" altLang="en-US" dirty="0" smtClean="0"/>
-              <a:t> </a:t>
-            </a:r>
-            <a:r>
-              <a:rPr lang="en-US" altLang="ko-KR" dirty="0" smtClean="0"/>
-              <a:t>– </a:t>
-            </a:r>
-            <a:r>
-              <a:rPr lang="ko-KR" altLang="en-US" dirty="0" smtClean="0"/>
-              <a:t>서울 지하철</a:t>
-            </a:r>
-            <a:endParaRPr lang="ko-KR" altLang="en-US" dirty="0"/>
-          </a:p>
-        </p:txBody>
-      </p:sp>
-      <p:sp>
-        <p:nvSpPr>
-          <p:cNvPr id="4" name="슬라이드 번호 개체 틀 3"/>
-          <p:cNvSpPr>
-            <a:spLocks noGrp="1"/>
-          </p:cNvSpPr>
-          <p:nvPr>
-            <p:ph type="sldNum" sz="quarter" idx="12"/>
-          </p:nvPr>
-        </p:nvSpPr>
-        <p:spPr/>
-        <p:txBody>
-          <a:bodyPr/>
-          <a:lstStyle/>
-          <a:p>
-            <a:fld id="{1BDE3FE7-3AEA-4B05-AC5A-802D1816ACF0}" type="slidenum">
-              <a:rPr lang="ko-KR" altLang="en-US" smtClean="0"/>
-              <a:t>35</a:t>
-            </a:fld>
-            <a:endParaRPr lang="ko-KR" altLang="en-US"/>
-          </a:p>
-        </p:txBody>
-      </p:sp>
-      <p:sp>
-        <p:nvSpPr>
-          <p:cNvPr id="14" name="TextBox 13"/>
-          <p:cNvSpPr txBox="1"/>
-          <p:nvPr/>
-        </p:nvSpPr>
-        <p:spPr>
-          <a:xfrm>
-            <a:off x="986559" y="1218818"/>
-            <a:ext cx="6630737" cy="553998"/>
-          </a:xfrm>
-          <a:prstGeom prst="rect">
-            <a:avLst/>
-          </a:prstGeom>
-          <a:noFill/>
-          <a:ln>
-            <a:noFill/>
-          </a:ln>
-        </p:spPr>
-        <p:style>
-          <a:lnRef idx="1">
-            <a:schemeClr val="accent3"/>
-          </a:lnRef>
-          <a:fillRef idx="2">
-            <a:schemeClr val="accent3"/>
-          </a:fillRef>
-          <a:effectRef idx="1">
-            <a:schemeClr val="accent3"/>
-          </a:effectRef>
-          <a:fontRef idx="minor">
-            <a:schemeClr val="dk1"/>
-          </a:fontRef>
-        </p:style>
-        <p:txBody>
-          <a:bodyPr wrap="square" rtlCol="0">
-            <a:spAutoFit/>
-          </a:bodyPr>
-          <a:lstStyle/>
-          <a:p>
-            <a:pPr marL="342900" indent="-342900">
-              <a:lnSpc>
-                <a:spcPct val="150000"/>
-              </a:lnSpc>
-              <a:buFont typeface="Wingdings" panose="05000000000000000000" pitchFamily="2" charset="2"/>
-              <a:buChar char="§"/>
-            </a:pPr>
-            <a:r>
-              <a:rPr lang="ko-KR" altLang="en-US" sz="2000" dirty="0" smtClean="0">
-                <a:latin typeface="+mn-ea"/>
-              </a:rPr>
-              <a:t> </a:t>
-            </a:r>
-            <a:r>
-              <a:rPr lang="en-US" altLang="ko-KR" sz="2000" dirty="0" smtClean="0">
-                <a:latin typeface="+mn-ea"/>
-              </a:rPr>
-              <a:t>‘</a:t>
-            </a:r>
-            <a:r>
-              <a:rPr lang="ko-KR" altLang="en-US" sz="2000" dirty="0" smtClean="0">
-                <a:latin typeface="+mn-ea"/>
-              </a:rPr>
-              <a:t>서울 지하철</a:t>
-            </a:r>
-            <a:r>
-              <a:rPr lang="en-US" altLang="ko-KR" sz="2000" dirty="0" smtClean="0">
-                <a:latin typeface="+mn-ea"/>
-              </a:rPr>
-              <a:t>’ &gt;  </a:t>
-            </a:r>
-            <a:r>
-              <a:rPr lang="ko-KR" altLang="en-US" sz="2000" dirty="0" smtClean="0">
-                <a:latin typeface="+mn-ea"/>
-              </a:rPr>
-              <a:t>이미지 파일 </a:t>
-            </a:r>
-            <a:r>
-              <a:rPr lang="en-US" altLang="ko-KR" sz="2000" dirty="0" smtClean="0">
-                <a:latin typeface="+mn-ea"/>
-              </a:rPr>
-              <a:t>PC</a:t>
-            </a:r>
-            <a:r>
-              <a:rPr lang="ko-KR" altLang="en-US" sz="2000" dirty="0" smtClean="0">
-                <a:latin typeface="+mn-ea"/>
-              </a:rPr>
-              <a:t>에 저장하기 </a:t>
-            </a:r>
-            <a:endParaRPr lang="en-US" altLang="ko-KR" sz="2000" dirty="0" smtClean="0">
-              <a:latin typeface="+mn-ea"/>
-            </a:endParaRPr>
-          </a:p>
-        </p:txBody>
-      </p:sp>
-      <p:pic>
-        <p:nvPicPr>
-          <p:cNvPr id="3" name="그림 2"/>
-          <p:cNvPicPr>
-            <a:picLocks noChangeAspect="1"/>
-          </p:cNvPicPr>
-          <p:nvPr/>
-        </p:nvPicPr>
-        <p:blipFill>
-          <a:blip r:embed="rId2">
-            <a:extLst>
-              <a:ext uri="{28A0092B-C50C-407E-A947-70E740481C1C}">
-                <a14:useLocalDpi xmlns:a14="http://schemas.microsoft.com/office/drawing/2010/main" val="0"/>
-              </a:ext>
-            </a:extLst>
-          </a:blip>
-          <a:stretch>
-            <a:fillRect/>
-          </a:stretch>
-        </p:blipFill>
-        <p:spPr>
-          <a:xfrm>
-            <a:off x="1304902" y="1772815"/>
-            <a:ext cx="3017782" cy="1722269"/>
-          </a:xfrm>
-          <a:prstGeom prst="rect">
-            <a:avLst/>
-          </a:prstGeom>
-          <a:ln>
-            <a:solidFill>
-              <a:schemeClr val="bg1">
-                <a:lumMod val="85000"/>
-              </a:schemeClr>
-            </a:solidFill>
-          </a:ln>
-        </p:spPr>
-      </p:pic>
-      <p:pic>
-        <p:nvPicPr>
-          <p:cNvPr id="7" name="그림 6"/>
-          <p:cNvPicPr>
-            <a:picLocks noChangeAspect="1"/>
-          </p:cNvPicPr>
-          <p:nvPr/>
-        </p:nvPicPr>
-        <p:blipFill>
-          <a:blip r:embed="rId3">
-            <a:extLst>
-              <a:ext uri="{28A0092B-C50C-407E-A947-70E740481C1C}">
-                <a14:useLocalDpi xmlns:a14="http://schemas.microsoft.com/office/drawing/2010/main" val="0"/>
-              </a:ext>
-            </a:extLst>
-          </a:blip>
-          <a:stretch>
-            <a:fillRect/>
-          </a:stretch>
-        </p:blipFill>
-        <p:spPr>
-          <a:xfrm>
-            <a:off x="4965643" y="1975222"/>
-            <a:ext cx="2567347" cy="1317454"/>
-          </a:xfrm>
-          <a:prstGeom prst="rect">
-            <a:avLst/>
-          </a:prstGeom>
-          <a:ln>
-            <a:solidFill>
-              <a:schemeClr val="bg1">
-                <a:lumMod val="85000"/>
-              </a:schemeClr>
-            </a:solidFill>
-          </a:ln>
-        </p:spPr>
-      </p:pic>
-      <p:pic>
-        <p:nvPicPr>
-          <p:cNvPr id="6" name="그림 5"/>
-          <p:cNvPicPr>
-            <a:picLocks noChangeAspect="1"/>
-          </p:cNvPicPr>
-          <p:nvPr/>
-        </p:nvPicPr>
-        <p:blipFill>
-          <a:blip r:embed="rId4">
-            <a:extLst>
-              <a:ext uri="{28A0092B-C50C-407E-A947-70E740481C1C}">
-                <a14:useLocalDpi xmlns:a14="http://schemas.microsoft.com/office/drawing/2010/main" val="0"/>
-              </a:ext>
-            </a:extLst>
-          </a:blip>
-          <a:stretch>
-            <a:fillRect/>
-          </a:stretch>
-        </p:blipFill>
-        <p:spPr>
-          <a:xfrm>
-            <a:off x="1319777" y="3717032"/>
-            <a:ext cx="6698561" cy="2598645"/>
-          </a:xfrm>
-          <a:prstGeom prst="rect">
-            <a:avLst/>
-          </a:prstGeom>
-          <a:ln>
-            <a:solidFill>
-              <a:schemeClr val="bg1">
-                <a:lumMod val="85000"/>
-              </a:schemeClr>
-            </a:solidFill>
-          </a:ln>
-        </p:spPr>
-      </p:pic>
-    </p:spTree>
-    <p:extLst>
-      <p:ext uri="{BB962C8B-B14F-4D97-AF65-F5344CB8AC3E}">
-        <p14:creationId xmlns:p14="http://schemas.microsoft.com/office/powerpoint/2010/main" val="1409130021"/>
-      </p:ext>
-    </p:extLst>
-  </p:cSld>
-  <p:clrMapOvr>
-    <a:masterClrMapping/>
-  </p:clrMapOvr>
-  <p:timing>
-    <p:tnLst>
-      <p:par>
-        <p:cTn id="1" dur="indefinite" restart="never" nodeType="tmRoot"/>
-      </p:par>
-    </p:tnLst>
-  </p:timing>
-</p:sld>
-</file>
-
-<file path=ppt/slides/slide36.xml><?xml version="1.0" encoding="utf-8"?>
-<p:sld xmlns:a="http://schemas.openxmlformats.org/drawingml/2006/main" xmlns:r="http://schemas.openxmlformats.org/officeDocument/2006/relationships" xmlns:p="http://schemas.openxmlformats.org/presentationml/2006/main">
-  <p:cSld>
-    <p:spTree>
-      <p:nvGrpSpPr>
-        <p:cNvPr id="1" name=""/>
-        <p:cNvGrpSpPr/>
-        <p:nvPr/>
-      </p:nvGrpSpPr>
-      <p:grpSpPr>
-        <a:xfrm>
-          <a:off x="0" y="0"/>
-          <a:ext cx="0" cy="0"/>
-          <a:chOff x="0" y="0"/>
-          <a:chExt cx="0" cy="0"/>
-        </a:xfrm>
-      </p:grpSpPr>
-      <p:sp>
-        <p:nvSpPr>
-          <p:cNvPr id="2" name="제목 1"/>
-          <p:cNvSpPr>
-            <a:spLocks noGrp="1"/>
-          </p:cNvSpPr>
-          <p:nvPr>
-            <p:ph type="title"/>
-          </p:nvPr>
-        </p:nvSpPr>
-        <p:spPr/>
-        <p:txBody>
-          <a:bodyPr/>
-          <a:lstStyle/>
-          <a:p>
-            <a:r>
-              <a:rPr lang="en-US" altLang="ko-KR" dirty="0"/>
-              <a:t> </a:t>
-            </a:r>
-            <a:r>
-              <a:rPr lang="ko-KR" altLang="en-US" dirty="0" err="1" smtClean="0"/>
-              <a:t>위키디피아</a:t>
-            </a:r>
-            <a:r>
-              <a:rPr lang="ko-KR" altLang="en-US" dirty="0" smtClean="0"/>
-              <a:t> </a:t>
-            </a:r>
-            <a:r>
-              <a:rPr lang="en-US" altLang="ko-KR" dirty="0" smtClean="0"/>
-              <a:t>– </a:t>
-            </a:r>
-            <a:r>
-              <a:rPr lang="ko-KR" altLang="en-US" dirty="0" smtClean="0"/>
-              <a:t>서울 지하철</a:t>
-            </a:r>
-            <a:endParaRPr lang="ko-KR" altLang="en-US" dirty="0"/>
-          </a:p>
-        </p:txBody>
-      </p:sp>
-      <p:sp>
-        <p:nvSpPr>
-          <p:cNvPr id="4" name="슬라이드 번호 개체 틀 3"/>
-          <p:cNvSpPr>
-            <a:spLocks noGrp="1"/>
-          </p:cNvSpPr>
-          <p:nvPr>
-            <p:ph type="sldNum" sz="quarter" idx="12"/>
-          </p:nvPr>
-        </p:nvSpPr>
-        <p:spPr/>
-        <p:txBody>
-          <a:bodyPr/>
-          <a:lstStyle/>
-          <a:p>
-            <a:fld id="{1BDE3FE7-3AEA-4B05-AC5A-802D1816ACF0}" type="slidenum">
-              <a:rPr lang="ko-KR" altLang="en-US" smtClean="0"/>
-              <a:t>36</a:t>
-            </a:fld>
-            <a:endParaRPr lang="ko-KR" altLang="en-US"/>
-          </a:p>
-        </p:txBody>
-      </p:sp>
-      <p:pic>
-        <p:nvPicPr>
-          <p:cNvPr id="5" name="그림 4"/>
-          <p:cNvPicPr>
-            <a:picLocks noChangeAspect="1"/>
-          </p:cNvPicPr>
-          <p:nvPr/>
-        </p:nvPicPr>
-        <p:blipFill>
-          <a:blip r:embed="rId2">
-            <a:extLst>
-              <a:ext uri="{28A0092B-C50C-407E-A947-70E740481C1C}">
-                <a14:useLocalDpi xmlns:a14="http://schemas.microsoft.com/office/drawing/2010/main" val="0"/>
-              </a:ext>
-            </a:extLst>
-          </a:blip>
-          <a:stretch>
-            <a:fillRect/>
-          </a:stretch>
-        </p:blipFill>
-        <p:spPr>
-          <a:xfrm>
-            <a:off x="1064096" y="1196752"/>
-            <a:ext cx="7705328" cy="2577186"/>
-          </a:xfrm>
-          <a:prstGeom prst="rect">
-            <a:avLst/>
-          </a:prstGeom>
-          <a:ln>
-            <a:solidFill>
-              <a:schemeClr val="bg1">
-                <a:lumMod val="85000"/>
-              </a:schemeClr>
-            </a:solidFill>
-          </a:ln>
-        </p:spPr>
-      </p:pic>
-      <p:pic>
-        <p:nvPicPr>
-          <p:cNvPr id="8" name="그림 7"/>
-          <p:cNvPicPr>
-            <a:picLocks noChangeAspect="1"/>
-          </p:cNvPicPr>
-          <p:nvPr/>
-        </p:nvPicPr>
-        <p:blipFill>
-          <a:blip r:embed="rId3">
-            <a:extLst>
-              <a:ext uri="{28A0092B-C50C-407E-A947-70E740481C1C}">
-                <a14:useLocalDpi xmlns:a14="http://schemas.microsoft.com/office/drawing/2010/main" val="0"/>
-              </a:ext>
-            </a:extLst>
-          </a:blip>
-          <a:stretch>
-            <a:fillRect/>
-          </a:stretch>
-        </p:blipFill>
-        <p:spPr>
-          <a:xfrm>
-            <a:off x="1064568" y="3861048"/>
-            <a:ext cx="7344816" cy="2716221"/>
-          </a:xfrm>
-          <a:prstGeom prst="rect">
-            <a:avLst/>
-          </a:prstGeom>
-          <a:ln>
-            <a:solidFill>
-              <a:schemeClr val="bg1">
-                <a:lumMod val="85000"/>
-              </a:schemeClr>
-            </a:solidFill>
-          </a:ln>
-        </p:spPr>
-      </p:pic>
-    </p:spTree>
-    <p:extLst>
-      <p:ext uri="{BB962C8B-B14F-4D97-AF65-F5344CB8AC3E}">
-        <p14:creationId xmlns:p14="http://schemas.microsoft.com/office/powerpoint/2010/main" val="1864664867"/>
-      </p:ext>
-    </p:extLst>
-  </p:cSld>
-  <p:clrMapOvr>
-    <a:masterClrMapping/>
-  </p:clrMapOvr>
-  <p:timing>
-    <p:tnLst>
-      <p:par>
-        <p:cTn id="1" dur="indefinite" restart="never" nodeType="tmRoot"/>
-      </p:par>
-    </p:tnLst>
-  </p:timing>
-</p:sld>
-</file>
-
-<file path=ppt/slides/slide37.xml><?xml version="1.0" encoding="utf-8"?>
-<p:sld xmlns:a="http://schemas.openxmlformats.org/drawingml/2006/main" xmlns:r="http://schemas.openxmlformats.org/officeDocument/2006/relationships" xmlns:p="http://schemas.openxmlformats.org/presentationml/2006/main">
-  <p:cSld>
-    <p:spTree>
-      <p:nvGrpSpPr>
-        <p:cNvPr id="1" name=""/>
-        <p:cNvGrpSpPr/>
-        <p:nvPr/>
-      </p:nvGrpSpPr>
-      <p:grpSpPr>
-        <a:xfrm>
-          <a:off x="0" y="0"/>
-          <a:ext cx="0" cy="0"/>
-          <a:chOff x="0" y="0"/>
-          <a:chExt cx="0" cy="0"/>
-        </a:xfrm>
-      </p:grpSpPr>
-      <p:sp>
-        <p:nvSpPr>
-          <p:cNvPr id="2" name="제목 1"/>
-          <p:cNvSpPr>
-            <a:spLocks noGrp="1"/>
-          </p:cNvSpPr>
-          <p:nvPr>
-            <p:ph type="title"/>
-          </p:nvPr>
-        </p:nvSpPr>
-        <p:spPr/>
-        <p:txBody>
-          <a:bodyPr/>
-          <a:lstStyle/>
-          <a:p>
-            <a:r>
-              <a:rPr lang="en-US" altLang="ko-KR" dirty="0"/>
-              <a:t> </a:t>
-            </a:r>
-            <a:r>
-              <a:rPr lang="ko-KR" altLang="en-US" dirty="0" err="1" smtClean="0"/>
-              <a:t>네이버에서</a:t>
-            </a:r>
-            <a:r>
-              <a:rPr lang="ko-KR" altLang="en-US" dirty="0" smtClean="0"/>
-              <a:t> 웹 </a:t>
-            </a:r>
-            <a:r>
-              <a:rPr lang="ko-KR" altLang="en-US" dirty="0" err="1" smtClean="0"/>
-              <a:t>크롤링하기</a:t>
-            </a:r>
-            <a:endParaRPr lang="ko-KR" altLang="en-US" dirty="0"/>
-          </a:p>
-        </p:txBody>
-      </p:sp>
-      <p:sp>
-        <p:nvSpPr>
-          <p:cNvPr id="4" name="슬라이드 번호 개체 틀 3"/>
-          <p:cNvSpPr>
-            <a:spLocks noGrp="1"/>
-          </p:cNvSpPr>
-          <p:nvPr>
-            <p:ph type="sldNum" sz="quarter" idx="12"/>
-          </p:nvPr>
-        </p:nvSpPr>
-        <p:spPr/>
-        <p:txBody>
-          <a:bodyPr/>
-          <a:lstStyle/>
-          <a:p>
-            <a:fld id="{1BDE3FE7-3AEA-4B05-AC5A-802D1816ACF0}" type="slidenum">
-              <a:rPr lang="ko-KR" altLang="en-US" smtClean="0"/>
-              <a:t>37</a:t>
             </a:fld>
             <a:endParaRPr lang="ko-KR" altLang="en-US"/>
           </a:p>
@@ -16590,7 +15627,7 @@
 </p:sld>
 </file>
 
-<file path=ppt/slides/slide38.xml><?xml version="1.0" encoding="utf-8"?>
+<file path=ppt/slides/slide34.xml><?xml version="1.0" encoding="utf-8"?>
 <p:sld xmlns:a="http://schemas.openxmlformats.org/drawingml/2006/main" xmlns:r="http://schemas.openxmlformats.org/officeDocument/2006/relationships" xmlns:p="http://schemas.openxmlformats.org/presentationml/2006/main">
   <p:cSld>
     <p:spTree>
@@ -16659,7 +15696,7 @@
           <a:p>
             <a:fld id="{1BDE3FE7-3AEA-4B05-AC5A-802D1816ACF0}" type="slidenum">
               <a:rPr lang="ko-KR" altLang="en-US" smtClean="0"/>
-              <a:t>38</a:t>
+              <a:t>34</a:t>
             </a:fld>
             <a:endParaRPr lang="ko-KR" altLang="en-US"/>
           </a:p>
@@ -16786,7 +15823,7 @@
 </p:sld>
 </file>
 
-<file path=ppt/slides/slide39.xml><?xml version="1.0" encoding="utf-8"?>
+<file path=ppt/slides/slide35.xml><?xml version="1.0" encoding="utf-8"?>
 <p:sld xmlns:a="http://schemas.openxmlformats.org/drawingml/2006/main" xmlns:r="http://schemas.openxmlformats.org/officeDocument/2006/relationships" xmlns:p="http://schemas.openxmlformats.org/presentationml/2006/main">
   <p:cSld>
     <p:spTree>
@@ -16855,7 +15892,7 @@
           <a:p>
             <a:fld id="{1BDE3FE7-3AEA-4B05-AC5A-802D1816ACF0}" type="slidenum">
               <a:rPr lang="ko-KR" altLang="en-US" smtClean="0"/>
-              <a:t>39</a:t>
+              <a:t>35</a:t>
             </a:fld>
             <a:endParaRPr lang="ko-KR" altLang="en-US"/>
           </a:p>
@@ -17258,6 +16295,1078 @@
 </p:sld>
 </file>
 
+<file path=ppt/slides/slide36.xml><?xml version="1.0" encoding="utf-8"?>
+<p:sld xmlns:a="http://schemas.openxmlformats.org/drawingml/2006/main" xmlns:r="http://schemas.openxmlformats.org/officeDocument/2006/relationships" xmlns:p="http://schemas.openxmlformats.org/presentationml/2006/main">
+  <p:cSld>
+    <p:spTree>
+      <p:nvGrpSpPr>
+        <p:cNvPr id="1" name=""/>
+        <p:cNvGrpSpPr/>
+        <p:nvPr/>
+      </p:nvGrpSpPr>
+      <p:grpSpPr>
+        <a:xfrm>
+          <a:off x="0" y="0"/>
+          <a:ext cx="0" cy="0"/>
+          <a:chOff x="0" y="0"/>
+          <a:chExt cx="0" cy="0"/>
+        </a:xfrm>
+      </p:grpSpPr>
+      <p:pic>
+        <p:nvPicPr>
+          <p:cNvPr id="3" name="그림 2"/>
+          <p:cNvPicPr>
+            <a:picLocks noChangeAspect="1"/>
+          </p:cNvPicPr>
+          <p:nvPr/>
+        </p:nvPicPr>
+        <p:blipFill>
+          <a:blip r:embed="rId2">
+            <a:extLst>
+              <a:ext uri="{28A0092B-C50C-407E-A947-70E740481C1C}">
+                <a14:useLocalDpi xmlns:a14="http://schemas.microsoft.com/office/drawing/2010/main" val="0"/>
+              </a:ext>
+            </a:extLst>
+          </a:blip>
+          <a:stretch>
+            <a:fillRect/>
+          </a:stretch>
+        </p:blipFill>
+        <p:spPr>
+          <a:xfrm>
+            <a:off x="1249610" y="1844825"/>
+            <a:ext cx="3024335" cy="1418225"/>
+          </a:xfrm>
+          <a:prstGeom prst="rect">
+            <a:avLst/>
+          </a:prstGeom>
+          <a:ln>
+            <a:solidFill>
+              <a:schemeClr val="bg1">
+                <a:lumMod val="65000"/>
+              </a:schemeClr>
+            </a:solidFill>
+          </a:ln>
+        </p:spPr>
+      </p:pic>
+      <p:sp>
+        <p:nvSpPr>
+          <p:cNvPr id="2" name="제목 1"/>
+          <p:cNvSpPr>
+            <a:spLocks noGrp="1"/>
+          </p:cNvSpPr>
+          <p:nvPr>
+            <p:ph type="title"/>
+          </p:nvPr>
+        </p:nvSpPr>
+        <p:spPr/>
+        <p:txBody>
+          <a:bodyPr/>
+          <a:lstStyle/>
+          <a:p>
+            <a:r>
+              <a:rPr lang="en-US" altLang="ko-KR" dirty="0"/>
+              <a:t> </a:t>
+            </a:r>
+            <a:r>
+              <a:rPr lang="ko-KR" altLang="en-US" dirty="0" err="1" smtClean="0"/>
+              <a:t>네이버에서</a:t>
+            </a:r>
+            <a:r>
+              <a:rPr lang="ko-KR" altLang="en-US" dirty="0" smtClean="0"/>
+              <a:t> 웹 </a:t>
+            </a:r>
+            <a:r>
+              <a:rPr lang="ko-KR" altLang="en-US" dirty="0" err="1" smtClean="0"/>
+              <a:t>크롤링하기</a:t>
+            </a:r>
+            <a:endParaRPr lang="ko-KR" altLang="en-US" dirty="0"/>
+          </a:p>
+        </p:txBody>
+      </p:sp>
+      <p:sp>
+        <p:nvSpPr>
+          <p:cNvPr id="4" name="슬라이드 번호 개체 틀 3"/>
+          <p:cNvSpPr>
+            <a:spLocks noGrp="1"/>
+          </p:cNvSpPr>
+          <p:nvPr>
+            <p:ph type="sldNum" sz="quarter" idx="12"/>
+          </p:nvPr>
+        </p:nvSpPr>
+        <p:spPr/>
+        <p:txBody>
+          <a:bodyPr/>
+          <a:lstStyle/>
+          <a:p>
+            <a:fld id="{1BDE3FE7-3AEA-4B05-AC5A-802D1816ACF0}" type="slidenum">
+              <a:rPr lang="ko-KR" altLang="en-US" smtClean="0"/>
+              <a:t>36</a:t>
+            </a:fld>
+            <a:endParaRPr lang="ko-KR" altLang="en-US"/>
+          </a:p>
+        </p:txBody>
+      </p:sp>
+      <p:sp>
+        <p:nvSpPr>
+          <p:cNvPr id="14" name="TextBox 13"/>
+          <p:cNvSpPr txBox="1"/>
+          <p:nvPr/>
+        </p:nvSpPr>
+        <p:spPr>
+          <a:xfrm>
+            <a:off x="986559" y="1172493"/>
+            <a:ext cx="5046561" cy="494494"/>
+          </a:xfrm>
+          <a:prstGeom prst="rect">
+            <a:avLst/>
+          </a:prstGeom>
+          <a:noFill/>
+          <a:ln>
+            <a:noFill/>
+          </a:ln>
+        </p:spPr>
+        <p:style>
+          <a:lnRef idx="1">
+            <a:schemeClr val="accent3"/>
+          </a:lnRef>
+          <a:fillRef idx="2">
+            <a:schemeClr val="accent3"/>
+          </a:fillRef>
+          <a:effectRef idx="1">
+            <a:schemeClr val="accent3"/>
+          </a:effectRef>
+          <a:fontRef idx="minor">
+            <a:schemeClr val="dk1"/>
+          </a:fontRef>
+        </p:style>
+        <p:txBody>
+          <a:bodyPr wrap="square" rtlCol="0">
+            <a:spAutoFit/>
+          </a:bodyPr>
+          <a:lstStyle/>
+          <a:p>
+            <a:pPr marL="342900" indent="-342900">
+              <a:lnSpc>
+                <a:spcPct val="150000"/>
+              </a:lnSpc>
+              <a:buFont typeface="Wingdings" pitchFamily="2" charset="2"/>
+              <a:buChar char="ü"/>
+            </a:pPr>
+            <a:r>
+              <a:rPr lang="en-US" altLang="ko-KR" sz="2000" dirty="0" err="1" smtClean="0">
+                <a:latin typeface="+mn-ea"/>
+              </a:rPr>
+              <a:t>Naver</a:t>
+            </a:r>
+            <a:r>
+              <a:rPr lang="ko-KR" altLang="en-US" sz="2000" dirty="0">
+                <a:latin typeface="+mn-ea"/>
+              </a:rPr>
+              <a:t> </a:t>
+            </a:r>
+            <a:r>
+              <a:rPr lang="ko-KR" altLang="en-US" sz="2000" dirty="0" smtClean="0">
+                <a:latin typeface="+mn-ea"/>
+              </a:rPr>
+              <a:t>메뉴 가져오기</a:t>
+            </a:r>
+            <a:endParaRPr lang="en-US" altLang="ko-KR" sz="2000" dirty="0" smtClean="0">
+              <a:latin typeface="+mn-ea"/>
+            </a:endParaRPr>
+          </a:p>
+        </p:txBody>
+      </p:sp>
+      <p:sp>
+        <p:nvSpPr>
+          <p:cNvPr id="9" name="모서리가 둥근 직사각형 8"/>
+          <p:cNvSpPr/>
+          <p:nvPr/>
+        </p:nvSpPr>
+        <p:spPr>
+          <a:xfrm>
+            <a:off x="1217081" y="1838557"/>
+            <a:ext cx="2640515" cy="416526"/>
+          </a:xfrm>
+          <a:prstGeom prst="roundRect">
+            <a:avLst/>
+          </a:prstGeom>
+          <a:noFill/>
+          <a:ln w="28575">
+            <a:solidFill>
+              <a:srgbClr val="C00000"/>
+            </a:solidFill>
+            <a:prstDash val="sysDash"/>
+          </a:ln>
+        </p:spPr>
+        <p:style>
+          <a:lnRef idx="2">
+            <a:schemeClr val="accent1">
+              <a:shade val="50000"/>
+            </a:schemeClr>
+          </a:lnRef>
+          <a:fillRef idx="1">
+            <a:schemeClr val="accent1"/>
+          </a:fillRef>
+          <a:effectRef idx="0">
+            <a:schemeClr val="accent1"/>
+          </a:effectRef>
+          <a:fontRef idx="minor">
+            <a:schemeClr val="lt1"/>
+          </a:fontRef>
+        </p:style>
+        <p:txBody>
+          <a:bodyPr rtlCol="0" anchor="ctr"/>
+          <a:lstStyle/>
+          <a:p>
+            <a:endParaRPr lang="ko-KR" altLang="en-US" sz="1600" dirty="0">
+              <a:solidFill>
+                <a:sysClr val="windowText" lastClr="000000"/>
+              </a:solidFill>
+            </a:endParaRPr>
+          </a:p>
+        </p:txBody>
+      </p:sp>
+      <p:pic>
+        <p:nvPicPr>
+          <p:cNvPr id="5" name="그림 4"/>
+          <p:cNvPicPr>
+            <a:picLocks noChangeAspect="1"/>
+          </p:cNvPicPr>
+          <p:nvPr/>
+        </p:nvPicPr>
+        <p:blipFill>
+          <a:blip r:embed="rId3">
+            <a:extLst>
+              <a:ext uri="{28A0092B-C50C-407E-A947-70E740481C1C}">
+                <a14:useLocalDpi xmlns:a14="http://schemas.microsoft.com/office/drawing/2010/main" val="0"/>
+              </a:ext>
+            </a:extLst>
+          </a:blip>
+          <a:stretch>
+            <a:fillRect/>
+          </a:stretch>
+        </p:blipFill>
+        <p:spPr>
+          <a:xfrm>
+            <a:off x="2216696" y="3212976"/>
+            <a:ext cx="5472608" cy="3452875"/>
+          </a:xfrm>
+          <a:prstGeom prst="rect">
+            <a:avLst/>
+          </a:prstGeom>
+          <a:ln>
+            <a:solidFill>
+              <a:schemeClr val="bg1">
+                <a:lumMod val="85000"/>
+              </a:schemeClr>
+            </a:solidFill>
+          </a:ln>
+        </p:spPr>
+      </p:pic>
+      <p:pic>
+        <p:nvPicPr>
+          <p:cNvPr id="7" name="그림 6"/>
+          <p:cNvPicPr>
+            <a:picLocks noChangeAspect="1"/>
+          </p:cNvPicPr>
+          <p:nvPr/>
+        </p:nvPicPr>
+        <p:blipFill rotWithShape="1">
+          <a:blip r:embed="rId4">
+            <a:extLst>
+              <a:ext uri="{28A0092B-C50C-407E-A947-70E740481C1C}">
+                <a14:useLocalDpi xmlns:a14="http://schemas.microsoft.com/office/drawing/2010/main" val="0"/>
+              </a:ext>
+            </a:extLst>
+          </a:blip>
+          <a:srcRect r="40018" b="43311"/>
+          <a:stretch/>
+        </p:blipFill>
+        <p:spPr>
+          <a:xfrm>
+            <a:off x="4808984" y="1825170"/>
+            <a:ext cx="3888432" cy="1247095"/>
+          </a:xfrm>
+          <a:prstGeom prst="rect">
+            <a:avLst/>
+          </a:prstGeom>
+          <a:ln>
+            <a:solidFill>
+              <a:schemeClr val="bg1">
+                <a:lumMod val="85000"/>
+              </a:schemeClr>
+            </a:solidFill>
+          </a:ln>
+        </p:spPr>
+      </p:pic>
+    </p:spTree>
+    <p:extLst>
+      <p:ext uri="{BB962C8B-B14F-4D97-AF65-F5344CB8AC3E}">
+        <p14:creationId xmlns:p14="http://schemas.microsoft.com/office/powerpoint/2010/main" val="4281239587"/>
+      </p:ext>
+    </p:extLst>
+  </p:cSld>
+  <p:clrMapOvr>
+    <a:masterClrMapping/>
+  </p:clrMapOvr>
+  <p:timing>
+    <p:tnLst>
+      <p:par>
+        <p:cTn id="1" dur="indefinite" restart="never" nodeType="tmRoot"/>
+      </p:par>
+    </p:tnLst>
+  </p:timing>
+</p:sld>
+</file>
+
+<file path=ppt/slides/slide37.xml><?xml version="1.0" encoding="utf-8"?>
+<p:sld xmlns:a="http://schemas.openxmlformats.org/drawingml/2006/main" xmlns:r="http://schemas.openxmlformats.org/officeDocument/2006/relationships" xmlns:p="http://schemas.openxmlformats.org/presentationml/2006/main">
+  <p:cSld>
+    <p:spTree>
+      <p:nvGrpSpPr>
+        <p:cNvPr id="1" name=""/>
+        <p:cNvGrpSpPr/>
+        <p:nvPr/>
+      </p:nvGrpSpPr>
+      <p:grpSpPr>
+        <a:xfrm>
+          <a:off x="0" y="0"/>
+          <a:ext cx="0" cy="0"/>
+          <a:chOff x="0" y="0"/>
+          <a:chExt cx="0" cy="0"/>
+        </a:xfrm>
+      </p:grpSpPr>
+      <p:sp>
+        <p:nvSpPr>
+          <p:cNvPr id="2" name="제목 1"/>
+          <p:cNvSpPr>
+            <a:spLocks noGrp="1"/>
+          </p:cNvSpPr>
+          <p:nvPr>
+            <p:ph type="title"/>
+          </p:nvPr>
+        </p:nvSpPr>
+        <p:spPr/>
+        <p:txBody>
+          <a:bodyPr/>
+          <a:lstStyle/>
+          <a:p>
+            <a:r>
+              <a:rPr lang="en-US" altLang="ko-KR" dirty="0"/>
+              <a:t> </a:t>
+            </a:r>
+            <a:r>
+              <a:rPr lang="ko-KR" altLang="en-US" dirty="0" err="1" smtClean="0"/>
+              <a:t>위키디피아</a:t>
+            </a:r>
+            <a:r>
+              <a:rPr lang="ko-KR" altLang="en-US" dirty="0" smtClean="0"/>
+              <a:t> </a:t>
+            </a:r>
+            <a:r>
+              <a:rPr lang="en-US" altLang="ko-KR" dirty="0" smtClean="0"/>
+              <a:t>– </a:t>
+            </a:r>
+            <a:r>
+              <a:rPr lang="ko-KR" altLang="en-US" dirty="0" smtClean="0"/>
+              <a:t>서울 지하철</a:t>
+            </a:r>
+            <a:endParaRPr lang="ko-KR" altLang="en-US" dirty="0"/>
+          </a:p>
+        </p:txBody>
+      </p:sp>
+      <p:sp>
+        <p:nvSpPr>
+          <p:cNvPr id="4" name="슬라이드 번호 개체 틀 3"/>
+          <p:cNvSpPr>
+            <a:spLocks noGrp="1"/>
+          </p:cNvSpPr>
+          <p:nvPr>
+            <p:ph type="sldNum" sz="quarter" idx="12"/>
+          </p:nvPr>
+        </p:nvSpPr>
+        <p:spPr/>
+        <p:txBody>
+          <a:bodyPr/>
+          <a:lstStyle/>
+          <a:p>
+            <a:fld id="{1BDE3FE7-3AEA-4B05-AC5A-802D1816ACF0}" type="slidenum">
+              <a:rPr lang="ko-KR" altLang="en-US" smtClean="0"/>
+              <a:t>37</a:t>
+            </a:fld>
+            <a:endParaRPr lang="ko-KR" altLang="en-US"/>
+          </a:p>
+        </p:txBody>
+      </p:sp>
+      <p:sp>
+        <p:nvSpPr>
+          <p:cNvPr id="14" name="TextBox 13"/>
+          <p:cNvSpPr txBox="1"/>
+          <p:nvPr/>
+        </p:nvSpPr>
+        <p:spPr>
+          <a:xfrm>
+            <a:off x="986559" y="1218818"/>
+            <a:ext cx="6054673" cy="1015663"/>
+          </a:xfrm>
+          <a:prstGeom prst="rect">
+            <a:avLst/>
+          </a:prstGeom>
+          <a:noFill/>
+          <a:ln>
+            <a:noFill/>
+          </a:ln>
+        </p:spPr>
+        <p:style>
+          <a:lnRef idx="1">
+            <a:schemeClr val="accent3"/>
+          </a:lnRef>
+          <a:fillRef idx="2">
+            <a:schemeClr val="accent3"/>
+          </a:fillRef>
+          <a:effectRef idx="1">
+            <a:schemeClr val="accent3"/>
+          </a:effectRef>
+          <a:fontRef idx="minor">
+            <a:schemeClr val="dk1"/>
+          </a:fontRef>
+        </p:style>
+        <p:txBody>
+          <a:bodyPr wrap="square" rtlCol="0">
+            <a:spAutoFit/>
+          </a:bodyPr>
+          <a:lstStyle/>
+          <a:p>
+            <a:pPr marL="342900" indent="-342900">
+              <a:lnSpc>
+                <a:spcPct val="150000"/>
+              </a:lnSpc>
+              <a:buFont typeface="Wingdings" panose="05000000000000000000" pitchFamily="2" charset="2"/>
+              <a:buChar char="§"/>
+            </a:pPr>
+            <a:r>
+              <a:rPr lang="ko-KR" altLang="en-US" sz="2000" dirty="0" err="1" smtClean="0">
+                <a:latin typeface="+mn-ea"/>
+              </a:rPr>
+              <a:t>구글에</a:t>
+            </a:r>
+            <a:r>
+              <a:rPr lang="ko-KR" altLang="en-US" sz="2000" dirty="0" err="1">
+                <a:latin typeface="+mn-ea"/>
+              </a:rPr>
+              <a:t>서</a:t>
+            </a:r>
+            <a:r>
+              <a:rPr lang="ko-KR" altLang="en-US" sz="2000" dirty="0" smtClean="0">
+                <a:latin typeface="+mn-ea"/>
+              </a:rPr>
+              <a:t> </a:t>
+            </a:r>
+            <a:r>
+              <a:rPr lang="en-US" altLang="ko-KR" sz="2000" dirty="0" smtClean="0">
+                <a:latin typeface="+mn-ea"/>
+              </a:rPr>
+              <a:t>‘Seoul Subway’ </a:t>
+            </a:r>
+            <a:r>
+              <a:rPr lang="ko-KR" altLang="en-US" sz="2000" dirty="0" smtClean="0">
+                <a:latin typeface="+mn-ea"/>
+              </a:rPr>
+              <a:t>검색 </a:t>
+            </a:r>
+            <a:r>
+              <a:rPr lang="en-US" altLang="ko-KR" sz="2000" dirty="0" smtClean="0">
+                <a:latin typeface="+mn-ea"/>
+              </a:rPr>
+              <a:t>&gt;  </a:t>
+            </a:r>
+            <a:r>
+              <a:rPr lang="ko-KR" altLang="en-US" sz="2000" dirty="0" err="1" smtClean="0">
+                <a:latin typeface="+mn-ea"/>
+              </a:rPr>
+              <a:t>위키디피아</a:t>
+            </a:r>
+            <a:endParaRPr lang="en-US" altLang="ko-KR" sz="2000" dirty="0" smtClean="0">
+              <a:latin typeface="+mn-ea"/>
+            </a:endParaRPr>
+          </a:p>
+          <a:p>
+            <a:pPr lvl="1">
+              <a:lnSpc>
+                <a:spcPct val="150000"/>
+              </a:lnSpc>
+            </a:pPr>
+            <a:r>
+              <a:rPr lang="en-US" altLang="ko-KR" sz="2000" dirty="0" smtClean="0">
+                <a:latin typeface="+mn-ea"/>
+              </a:rPr>
+              <a:t>&lt;head&gt; </a:t>
+            </a:r>
+            <a:r>
+              <a:rPr lang="ko-KR" altLang="en-US" sz="2000" dirty="0" smtClean="0">
+                <a:latin typeface="+mn-ea"/>
+              </a:rPr>
+              <a:t>태그의 </a:t>
+            </a:r>
+            <a:r>
+              <a:rPr lang="en-US" altLang="ko-KR" sz="2000" dirty="0" smtClean="0">
+                <a:latin typeface="+mn-ea"/>
+              </a:rPr>
+              <a:t>&lt;title&gt; </a:t>
+            </a:r>
+            <a:r>
+              <a:rPr lang="ko-KR" altLang="en-US" sz="2000" dirty="0" err="1" smtClean="0">
+                <a:latin typeface="+mn-ea"/>
+              </a:rPr>
+              <a:t>스크래핑하기</a:t>
+            </a:r>
+            <a:r>
+              <a:rPr lang="ko-KR" altLang="en-US" sz="2000" dirty="0" smtClean="0">
+                <a:latin typeface="+mn-ea"/>
+              </a:rPr>
+              <a:t> </a:t>
+            </a:r>
+            <a:endParaRPr lang="en-US" altLang="ko-KR" sz="2000" dirty="0" smtClean="0">
+              <a:latin typeface="+mn-ea"/>
+            </a:endParaRPr>
+          </a:p>
+        </p:txBody>
+      </p:sp>
+      <p:pic>
+        <p:nvPicPr>
+          <p:cNvPr id="3" name="그림 2"/>
+          <p:cNvPicPr>
+            <a:picLocks noChangeAspect="1"/>
+          </p:cNvPicPr>
+          <p:nvPr/>
+        </p:nvPicPr>
+        <p:blipFill>
+          <a:blip r:embed="rId2">
+            <a:extLst>
+              <a:ext uri="{28A0092B-C50C-407E-A947-70E740481C1C}">
+                <a14:useLocalDpi xmlns:a14="http://schemas.microsoft.com/office/drawing/2010/main" val="0"/>
+              </a:ext>
+            </a:extLst>
+          </a:blip>
+          <a:stretch>
+            <a:fillRect/>
+          </a:stretch>
+        </p:blipFill>
+        <p:spPr>
+          <a:xfrm>
+            <a:off x="2576735" y="3356992"/>
+            <a:ext cx="4032449" cy="3372048"/>
+          </a:xfrm>
+          <a:prstGeom prst="rect">
+            <a:avLst/>
+          </a:prstGeom>
+          <a:ln>
+            <a:solidFill>
+              <a:schemeClr val="bg1">
+                <a:lumMod val="85000"/>
+              </a:schemeClr>
+            </a:solidFill>
+          </a:ln>
+        </p:spPr>
+      </p:pic>
+      <p:pic>
+        <p:nvPicPr>
+          <p:cNvPr id="8" name="그림 7"/>
+          <p:cNvPicPr>
+            <a:picLocks noChangeAspect="1"/>
+          </p:cNvPicPr>
+          <p:nvPr/>
+        </p:nvPicPr>
+        <p:blipFill>
+          <a:blip r:embed="rId3">
+            <a:extLst>
+              <a:ext uri="{28A0092B-C50C-407E-A947-70E740481C1C}">
+                <a14:useLocalDpi xmlns:a14="http://schemas.microsoft.com/office/drawing/2010/main" val="0"/>
+              </a:ext>
+            </a:extLst>
+          </a:blip>
+          <a:stretch>
+            <a:fillRect/>
+          </a:stretch>
+        </p:blipFill>
+        <p:spPr>
+          <a:xfrm>
+            <a:off x="1470924" y="2315764"/>
+            <a:ext cx="7121422" cy="961759"/>
+          </a:xfrm>
+          <a:prstGeom prst="rect">
+            <a:avLst/>
+          </a:prstGeom>
+          <a:ln>
+            <a:solidFill>
+              <a:schemeClr val="bg1">
+                <a:lumMod val="85000"/>
+              </a:schemeClr>
+            </a:solidFill>
+          </a:ln>
+        </p:spPr>
+      </p:pic>
+    </p:spTree>
+    <p:extLst>
+      <p:ext uri="{BB962C8B-B14F-4D97-AF65-F5344CB8AC3E}">
+        <p14:creationId xmlns:p14="http://schemas.microsoft.com/office/powerpoint/2010/main" val="172141674"/>
+      </p:ext>
+    </p:extLst>
+  </p:cSld>
+  <p:clrMapOvr>
+    <a:masterClrMapping/>
+  </p:clrMapOvr>
+  <p:timing>
+    <p:tnLst>
+      <p:par>
+        <p:cTn id="1" dur="indefinite" restart="never" nodeType="tmRoot"/>
+      </p:par>
+    </p:tnLst>
+  </p:timing>
+</p:sld>
+</file>
+
+<file path=ppt/slides/slide38.xml><?xml version="1.0" encoding="utf-8"?>
+<p:sld xmlns:a="http://schemas.openxmlformats.org/drawingml/2006/main" xmlns:r="http://schemas.openxmlformats.org/officeDocument/2006/relationships" xmlns:p="http://schemas.openxmlformats.org/presentationml/2006/main">
+  <p:cSld>
+    <p:spTree>
+      <p:nvGrpSpPr>
+        <p:cNvPr id="1" name=""/>
+        <p:cNvGrpSpPr/>
+        <p:nvPr/>
+      </p:nvGrpSpPr>
+      <p:grpSpPr>
+        <a:xfrm>
+          <a:off x="0" y="0"/>
+          <a:ext cx="0" cy="0"/>
+          <a:chOff x="0" y="0"/>
+          <a:chExt cx="0" cy="0"/>
+        </a:xfrm>
+      </p:grpSpPr>
+      <p:sp>
+        <p:nvSpPr>
+          <p:cNvPr id="2" name="제목 1"/>
+          <p:cNvSpPr>
+            <a:spLocks noGrp="1"/>
+          </p:cNvSpPr>
+          <p:nvPr>
+            <p:ph type="title"/>
+          </p:nvPr>
+        </p:nvSpPr>
+        <p:spPr/>
+        <p:txBody>
+          <a:bodyPr/>
+          <a:lstStyle/>
+          <a:p>
+            <a:r>
+              <a:rPr lang="en-US" altLang="ko-KR" dirty="0"/>
+              <a:t> </a:t>
+            </a:r>
+            <a:r>
+              <a:rPr lang="ko-KR" altLang="en-US" dirty="0" err="1" smtClean="0"/>
+              <a:t>위키디피아</a:t>
+            </a:r>
+            <a:r>
+              <a:rPr lang="ko-KR" altLang="en-US" dirty="0" smtClean="0"/>
+              <a:t> </a:t>
+            </a:r>
+            <a:r>
+              <a:rPr lang="en-US" altLang="ko-KR" dirty="0" smtClean="0"/>
+              <a:t>– </a:t>
+            </a:r>
+            <a:r>
+              <a:rPr lang="ko-KR" altLang="en-US" dirty="0" smtClean="0"/>
+              <a:t>서울 지하철</a:t>
+            </a:r>
+            <a:endParaRPr lang="ko-KR" altLang="en-US" dirty="0"/>
+          </a:p>
+        </p:txBody>
+      </p:sp>
+      <p:sp>
+        <p:nvSpPr>
+          <p:cNvPr id="4" name="슬라이드 번호 개체 틀 3"/>
+          <p:cNvSpPr>
+            <a:spLocks noGrp="1"/>
+          </p:cNvSpPr>
+          <p:nvPr>
+            <p:ph type="sldNum" sz="quarter" idx="12"/>
+          </p:nvPr>
+        </p:nvSpPr>
+        <p:spPr/>
+        <p:txBody>
+          <a:bodyPr/>
+          <a:lstStyle/>
+          <a:p>
+            <a:fld id="{1BDE3FE7-3AEA-4B05-AC5A-802D1816ACF0}" type="slidenum">
+              <a:rPr lang="ko-KR" altLang="en-US" smtClean="0"/>
+              <a:t>38</a:t>
+            </a:fld>
+            <a:endParaRPr lang="ko-KR" altLang="en-US"/>
+          </a:p>
+        </p:txBody>
+      </p:sp>
+      <p:pic>
+        <p:nvPicPr>
+          <p:cNvPr id="6" name="그림 5"/>
+          <p:cNvPicPr>
+            <a:picLocks noChangeAspect="1"/>
+          </p:cNvPicPr>
+          <p:nvPr/>
+        </p:nvPicPr>
+        <p:blipFill>
+          <a:blip r:embed="rId2">
+            <a:extLst>
+              <a:ext uri="{28A0092B-C50C-407E-A947-70E740481C1C}">
+                <a14:useLocalDpi xmlns:a14="http://schemas.microsoft.com/office/drawing/2010/main" val="0"/>
+              </a:ext>
+            </a:extLst>
+          </a:blip>
+          <a:stretch>
+            <a:fillRect/>
+          </a:stretch>
+        </p:blipFill>
+        <p:spPr>
+          <a:xfrm>
+            <a:off x="1435629" y="1700808"/>
+            <a:ext cx="6828112" cy="3863675"/>
+          </a:xfrm>
+          <a:prstGeom prst="rect">
+            <a:avLst/>
+          </a:prstGeom>
+          <a:ln>
+            <a:solidFill>
+              <a:schemeClr val="bg1">
+                <a:lumMod val="85000"/>
+              </a:schemeClr>
+            </a:solidFill>
+          </a:ln>
+        </p:spPr>
+      </p:pic>
+    </p:spTree>
+    <p:extLst>
+      <p:ext uri="{BB962C8B-B14F-4D97-AF65-F5344CB8AC3E}">
+        <p14:creationId xmlns:p14="http://schemas.microsoft.com/office/powerpoint/2010/main" val="1867451363"/>
+      </p:ext>
+    </p:extLst>
+  </p:cSld>
+  <p:clrMapOvr>
+    <a:masterClrMapping/>
+  </p:clrMapOvr>
+  <p:timing>
+    <p:tnLst>
+      <p:par>
+        <p:cTn id="1" dur="indefinite" restart="never" nodeType="tmRoot"/>
+      </p:par>
+    </p:tnLst>
+  </p:timing>
+</p:sld>
+</file>
+
+<file path=ppt/slides/slide39.xml><?xml version="1.0" encoding="utf-8"?>
+<p:sld xmlns:a="http://schemas.openxmlformats.org/drawingml/2006/main" xmlns:r="http://schemas.openxmlformats.org/officeDocument/2006/relationships" xmlns:p="http://schemas.openxmlformats.org/presentationml/2006/main">
+  <p:cSld>
+    <p:spTree>
+      <p:nvGrpSpPr>
+        <p:cNvPr id="1" name=""/>
+        <p:cNvGrpSpPr/>
+        <p:nvPr/>
+      </p:nvGrpSpPr>
+      <p:grpSpPr>
+        <a:xfrm>
+          <a:off x="0" y="0"/>
+          <a:ext cx="0" cy="0"/>
+          <a:chOff x="0" y="0"/>
+          <a:chExt cx="0" cy="0"/>
+        </a:xfrm>
+      </p:grpSpPr>
+      <p:sp>
+        <p:nvSpPr>
+          <p:cNvPr id="2" name="제목 1"/>
+          <p:cNvSpPr>
+            <a:spLocks noGrp="1"/>
+          </p:cNvSpPr>
+          <p:nvPr>
+            <p:ph type="title"/>
+          </p:nvPr>
+        </p:nvSpPr>
+        <p:spPr/>
+        <p:txBody>
+          <a:bodyPr/>
+          <a:lstStyle/>
+          <a:p>
+            <a:r>
+              <a:rPr lang="en-US" altLang="ko-KR" dirty="0"/>
+              <a:t> </a:t>
+            </a:r>
+            <a:r>
+              <a:rPr lang="ko-KR" altLang="en-US" dirty="0" err="1" smtClean="0"/>
+              <a:t>위키디피아</a:t>
+            </a:r>
+            <a:r>
+              <a:rPr lang="ko-KR" altLang="en-US" dirty="0" smtClean="0"/>
+              <a:t> </a:t>
+            </a:r>
+            <a:r>
+              <a:rPr lang="en-US" altLang="ko-KR" dirty="0" smtClean="0"/>
+              <a:t>– </a:t>
+            </a:r>
+            <a:r>
+              <a:rPr lang="ko-KR" altLang="en-US" dirty="0" smtClean="0"/>
+              <a:t>서울 지하철</a:t>
+            </a:r>
+            <a:endParaRPr lang="ko-KR" altLang="en-US" dirty="0"/>
+          </a:p>
+        </p:txBody>
+      </p:sp>
+      <p:sp>
+        <p:nvSpPr>
+          <p:cNvPr id="4" name="슬라이드 번호 개체 틀 3"/>
+          <p:cNvSpPr>
+            <a:spLocks noGrp="1"/>
+          </p:cNvSpPr>
+          <p:nvPr>
+            <p:ph type="sldNum" sz="quarter" idx="12"/>
+          </p:nvPr>
+        </p:nvSpPr>
+        <p:spPr/>
+        <p:txBody>
+          <a:bodyPr/>
+          <a:lstStyle/>
+          <a:p>
+            <a:fld id="{1BDE3FE7-3AEA-4B05-AC5A-802D1816ACF0}" type="slidenum">
+              <a:rPr lang="ko-KR" altLang="en-US" smtClean="0"/>
+              <a:t>39</a:t>
+            </a:fld>
+            <a:endParaRPr lang="ko-KR" altLang="en-US"/>
+          </a:p>
+        </p:txBody>
+      </p:sp>
+      <p:sp>
+        <p:nvSpPr>
+          <p:cNvPr id="14" name="TextBox 13"/>
+          <p:cNvSpPr txBox="1"/>
+          <p:nvPr/>
+        </p:nvSpPr>
+        <p:spPr>
+          <a:xfrm>
+            <a:off x="986559" y="1218818"/>
+            <a:ext cx="6630737" cy="553998"/>
+          </a:xfrm>
+          <a:prstGeom prst="rect">
+            <a:avLst/>
+          </a:prstGeom>
+          <a:noFill/>
+          <a:ln>
+            <a:noFill/>
+          </a:ln>
+        </p:spPr>
+        <p:style>
+          <a:lnRef idx="1">
+            <a:schemeClr val="accent3"/>
+          </a:lnRef>
+          <a:fillRef idx="2">
+            <a:schemeClr val="accent3"/>
+          </a:fillRef>
+          <a:effectRef idx="1">
+            <a:schemeClr val="accent3"/>
+          </a:effectRef>
+          <a:fontRef idx="minor">
+            <a:schemeClr val="dk1"/>
+          </a:fontRef>
+        </p:style>
+        <p:txBody>
+          <a:bodyPr wrap="square" rtlCol="0">
+            <a:spAutoFit/>
+          </a:bodyPr>
+          <a:lstStyle/>
+          <a:p>
+            <a:pPr marL="342900" indent="-342900">
+              <a:lnSpc>
+                <a:spcPct val="150000"/>
+              </a:lnSpc>
+              <a:buFont typeface="Wingdings" panose="05000000000000000000" pitchFamily="2" charset="2"/>
+              <a:buChar char="§"/>
+            </a:pPr>
+            <a:r>
+              <a:rPr lang="ko-KR" altLang="en-US" sz="2000" dirty="0" smtClean="0">
+                <a:latin typeface="+mn-ea"/>
+              </a:rPr>
+              <a:t> </a:t>
+            </a:r>
+            <a:r>
+              <a:rPr lang="en-US" altLang="ko-KR" sz="2000" dirty="0" smtClean="0">
+                <a:latin typeface="+mn-ea"/>
+              </a:rPr>
+              <a:t>‘</a:t>
+            </a:r>
+            <a:r>
+              <a:rPr lang="ko-KR" altLang="en-US" sz="2000" dirty="0" smtClean="0">
+                <a:latin typeface="+mn-ea"/>
+              </a:rPr>
+              <a:t>서울 지하철</a:t>
+            </a:r>
+            <a:r>
+              <a:rPr lang="en-US" altLang="ko-KR" sz="2000" dirty="0" smtClean="0">
+                <a:latin typeface="+mn-ea"/>
+              </a:rPr>
+              <a:t>’ &gt;  </a:t>
+            </a:r>
+            <a:r>
+              <a:rPr lang="ko-KR" altLang="en-US" sz="2000" dirty="0" smtClean="0">
+                <a:latin typeface="+mn-ea"/>
+              </a:rPr>
+              <a:t>이미지 파일 </a:t>
+            </a:r>
+            <a:r>
+              <a:rPr lang="en-US" altLang="ko-KR" sz="2000" dirty="0" smtClean="0">
+                <a:latin typeface="+mn-ea"/>
+              </a:rPr>
+              <a:t>PC</a:t>
+            </a:r>
+            <a:r>
+              <a:rPr lang="ko-KR" altLang="en-US" sz="2000" dirty="0" smtClean="0">
+                <a:latin typeface="+mn-ea"/>
+              </a:rPr>
+              <a:t>에 저장하기 </a:t>
+            </a:r>
+            <a:endParaRPr lang="en-US" altLang="ko-KR" sz="2000" dirty="0" smtClean="0">
+              <a:latin typeface="+mn-ea"/>
+            </a:endParaRPr>
+          </a:p>
+        </p:txBody>
+      </p:sp>
+      <p:pic>
+        <p:nvPicPr>
+          <p:cNvPr id="3" name="그림 2"/>
+          <p:cNvPicPr>
+            <a:picLocks noChangeAspect="1"/>
+          </p:cNvPicPr>
+          <p:nvPr/>
+        </p:nvPicPr>
+        <p:blipFill>
+          <a:blip r:embed="rId2">
+            <a:extLst>
+              <a:ext uri="{28A0092B-C50C-407E-A947-70E740481C1C}">
+                <a14:useLocalDpi xmlns:a14="http://schemas.microsoft.com/office/drawing/2010/main" val="0"/>
+              </a:ext>
+            </a:extLst>
+          </a:blip>
+          <a:stretch>
+            <a:fillRect/>
+          </a:stretch>
+        </p:blipFill>
+        <p:spPr>
+          <a:xfrm>
+            <a:off x="1304902" y="1772815"/>
+            <a:ext cx="3017782" cy="1722269"/>
+          </a:xfrm>
+          <a:prstGeom prst="rect">
+            <a:avLst/>
+          </a:prstGeom>
+          <a:ln>
+            <a:solidFill>
+              <a:schemeClr val="bg1">
+                <a:lumMod val="85000"/>
+              </a:schemeClr>
+            </a:solidFill>
+          </a:ln>
+        </p:spPr>
+      </p:pic>
+      <p:pic>
+        <p:nvPicPr>
+          <p:cNvPr id="7" name="그림 6"/>
+          <p:cNvPicPr>
+            <a:picLocks noChangeAspect="1"/>
+          </p:cNvPicPr>
+          <p:nvPr/>
+        </p:nvPicPr>
+        <p:blipFill>
+          <a:blip r:embed="rId3">
+            <a:extLst>
+              <a:ext uri="{28A0092B-C50C-407E-A947-70E740481C1C}">
+                <a14:useLocalDpi xmlns:a14="http://schemas.microsoft.com/office/drawing/2010/main" val="0"/>
+              </a:ext>
+            </a:extLst>
+          </a:blip>
+          <a:stretch>
+            <a:fillRect/>
+          </a:stretch>
+        </p:blipFill>
+        <p:spPr>
+          <a:xfrm>
+            <a:off x="4965643" y="1975222"/>
+            <a:ext cx="2567347" cy="1317454"/>
+          </a:xfrm>
+          <a:prstGeom prst="rect">
+            <a:avLst/>
+          </a:prstGeom>
+          <a:ln>
+            <a:solidFill>
+              <a:schemeClr val="bg1">
+                <a:lumMod val="85000"/>
+              </a:schemeClr>
+            </a:solidFill>
+          </a:ln>
+        </p:spPr>
+      </p:pic>
+      <p:pic>
+        <p:nvPicPr>
+          <p:cNvPr id="5" name="그림 4"/>
+          <p:cNvPicPr>
+            <a:picLocks noChangeAspect="1"/>
+          </p:cNvPicPr>
+          <p:nvPr/>
+        </p:nvPicPr>
+        <p:blipFill>
+          <a:blip r:embed="rId4">
+            <a:extLst>
+              <a:ext uri="{28A0092B-C50C-407E-A947-70E740481C1C}">
+                <a14:useLocalDpi xmlns:a14="http://schemas.microsoft.com/office/drawing/2010/main" val="0"/>
+              </a:ext>
+            </a:extLst>
+          </a:blip>
+          <a:stretch>
+            <a:fillRect/>
+          </a:stretch>
+        </p:blipFill>
+        <p:spPr>
+          <a:xfrm>
+            <a:off x="987533" y="3861048"/>
+            <a:ext cx="7984057" cy="1656184"/>
+          </a:xfrm>
+          <a:prstGeom prst="rect">
+            <a:avLst/>
+          </a:prstGeom>
+          <a:ln>
+            <a:solidFill>
+              <a:schemeClr val="bg1">
+                <a:lumMod val="85000"/>
+              </a:schemeClr>
+            </a:solidFill>
+          </a:ln>
+        </p:spPr>
+      </p:pic>
+    </p:spTree>
+    <p:extLst>
+      <p:ext uri="{BB962C8B-B14F-4D97-AF65-F5344CB8AC3E}">
+        <p14:creationId xmlns:p14="http://schemas.microsoft.com/office/powerpoint/2010/main" val="3560944911"/>
+      </p:ext>
+    </p:extLst>
+  </p:cSld>
+  <p:clrMapOvr>
+    <a:masterClrMapping/>
+  </p:clrMapOvr>
+  <p:timing>
+    <p:tnLst>
+      <p:par>
+        <p:cTn id="1" dur="indefinite" restart="never" nodeType="tmRoot"/>
+      </p:par>
+    </p:tnLst>
+  </p:timing>
+</p:sld>
+</file>
+
 <file path=ppt/slides/slide4.xml><?xml version="1.0" encoding="utf-8"?>
 <p:sld xmlns:a="http://schemas.openxmlformats.org/drawingml/2006/main" xmlns:r="http://schemas.openxmlformats.org/officeDocument/2006/relationships" xmlns:p="http://schemas.openxmlformats.org/presentationml/2006/main">
   <p:cSld>
@@ -17749,6 +17858,68 @@
           <a:chExt cx="0" cy="0"/>
         </a:xfrm>
       </p:grpSpPr>
+      <p:sp>
+        <p:nvSpPr>
+          <p:cNvPr id="2" name="제목 1"/>
+          <p:cNvSpPr>
+            <a:spLocks noGrp="1"/>
+          </p:cNvSpPr>
+          <p:nvPr>
+            <p:ph type="title"/>
+          </p:nvPr>
+        </p:nvSpPr>
+        <p:spPr/>
+        <p:txBody>
+          <a:bodyPr/>
+          <a:lstStyle/>
+          <a:p>
+            <a:r>
+              <a:rPr lang="en-US" altLang="ko-KR" dirty="0"/>
+              <a:t> </a:t>
+            </a:r>
+            <a:r>
+              <a:rPr lang="ko-KR" altLang="en-US" dirty="0" err="1" smtClean="0"/>
+              <a:t>위키디피아</a:t>
+            </a:r>
+            <a:r>
+              <a:rPr lang="ko-KR" altLang="en-US" dirty="0" smtClean="0"/>
+              <a:t> </a:t>
+            </a:r>
+            <a:r>
+              <a:rPr lang="en-US" altLang="ko-KR" dirty="0" smtClean="0"/>
+              <a:t>– </a:t>
+            </a:r>
+            <a:r>
+              <a:rPr lang="ko-KR" altLang="en-US" dirty="0" smtClean="0"/>
+              <a:t>서울 지하철</a:t>
+            </a:r>
+            <a:endParaRPr lang="ko-KR" altLang="en-US" dirty="0"/>
+          </a:p>
+        </p:txBody>
+      </p:sp>
+      <p:sp>
+        <p:nvSpPr>
+          <p:cNvPr id="4" name="슬라이드 번호 개체 틀 3"/>
+          <p:cNvSpPr>
+            <a:spLocks noGrp="1"/>
+          </p:cNvSpPr>
+          <p:nvPr>
+            <p:ph type="sldNum" sz="quarter" idx="12"/>
+          </p:nvPr>
+        </p:nvSpPr>
+        <p:spPr/>
+        <p:txBody>
+          <a:bodyPr/>
+          <a:lstStyle/>
+          <a:p>
+            <a:fld id="{1BDE3FE7-3AEA-4B05-AC5A-802D1816ACF0}" type="slidenum">
+              <a:rPr lang="ko-KR" altLang="en-US" smtClean="0"/>
+              <a:t>40</a:t>
+            </a:fld>
+            <a:endParaRPr lang="ko-KR" altLang="en-US"/>
+          </a:p>
+        </p:txBody>
+      </p:sp>
       <p:pic>
         <p:nvPicPr>
           <p:cNvPr id="3" name="그림 2"/>
@@ -17771,259 +17942,8 @@
         </p:blipFill>
         <p:spPr>
           <a:xfrm>
-            <a:off x="1249610" y="1844825"/>
-            <a:ext cx="3024335" cy="1418225"/>
-          </a:xfrm>
-          <a:prstGeom prst="rect">
-            <a:avLst/>
-          </a:prstGeom>
-          <a:ln>
-            <a:solidFill>
-              <a:schemeClr val="bg1">
-                <a:lumMod val="65000"/>
-              </a:schemeClr>
-            </a:solidFill>
-          </a:ln>
-        </p:spPr>
-      </p:pic>
-      <p:sp>
-        <p:nvSpPr>
-          <p:cNvPr id="2" name="제목 1"/>
-          <p:cNvSpPr>
-            <a:spLocks noGrp="1"/>
-          </p:cNvSpPr>
-          <p:nvPr>
-            <p:ph type="title"/>
-          </p:nvPr>
-        </p:nvSpPr>
-        <p:spPr/>
-        <p:txBody>
-          <a:bodyPr/>
-          <a:lstStyle/>
-          <a:p>
-            <a:r>
-              <a:rPr lang="en-US" altLang="ko-KR" dirty="0"/>
-              <a:t> </a:t>
-            </a:r>
-            <a:r>
-              <a:rPr lang="ko-KR" altLang="en-US" dirty="0" err="1" smtClean="0"/>
-              <a:t>네이버에서</a:t>
-            </a:r>
-            <a:r>
-              <a:rPr lang="ko-KR" altLang="en-US" dirty="0" smtClean="0"/>
-              <a:t> 웹 </a:t>
-            </a:r>
-            <a:r>
-              <a:rPr lang="ko-KR" altLang="en-US" dirty="0" err="1" smtClean="0"/>
-              <a:t>크롤링하기</a:t>
-            </a:r>
-            <a:endParaRPr lang="ko-KR" altLang="en-US" dirty="0"/>
-          </a:p>
-        </p:txBody>
-      </p:sp>
-      <p:sp>
-        <p:nvSpPr>
-          <p:cNvPr id="4" name="슬라이드 번호 개체 틀 3"/>
-          <p:cNvSpPr>
-            <a:spLocks noGrp="1"/>
-          </p:cNvSpPr>
-          <p:nvPr>
-            <p:ph type="sldNum" sz="quarter" idx="12"/>
-          </p:nvPr>
-        </p:nvSpPr>
-        <p:spPr/>
-        <p:txBody>
-          <a:bodyPr/>
-          <a:lstStyle/>
-          <a:p>
-            <a:fld id="{1BDE3FE7-3AEA-4B05-AC5A-802D1816ACF0}" type="slidenum">
-              <a:rPr lang="ko-KR" altLang="en-US" smtClean="0"/>
-              <a:t>40</a:t>
-            </a:fld>
-            <a:endParaRPr lang="ko-KR" altLang="en-US"/>
-          </a:p>
-        </p:txBody>
-      </p:sp>
-      <p:sp>
-        <p:nvSpPr>
-          <p:cNvPr id="14" name="TextBox 13"/>
-          <p:cNvSpPr txBox="1"/>
-          <p:nvPr/>
-        </p:nvSpPr>
-        <p:spPr>
-          <a:xfrm>
-            <a:off x="986559" y="1172493"/>
-            <a:ext cx="5046561" cy="494494"/>
-          </a:xfrm>
-          <a:prstGeom prst="rect">
-            <a:avLst/>
-          </a:prstGeom>
-          <a:noFill/>
-          <a:ln>
-            <a:noFill/>
-          </a:ln>
-        </p:spPr>
-        <p:style>
-          <a:lnRef idx="1">
-            <a:schemeClr val="accent3"/>
-          </a:lnRef>
-          <a:fillRef idx="2">
-            <a:schemeClr val="accent3"/>
-          </a:fillRef>
-          <a:effectRef idx="1">
-            <a:schemeClr val="accent3"/>
-          </a:effectRef>
-          <a:fontRef idx="minor">
-            <a:schemeClr val="dk1"/>
-          </a:fontRef>
-        </p:style>
-        <p:txBody>
-          <a:bodyPr wrap="square" rtlCol="0">
-            <a:spAutoFit/>
-          </a:bodyPr>
-          <a:lstStyle/>
-          <a:p>
-            <a:pPr marL="342900" indent="-342900">
-              <a:lnSpc>
-                <a:spcPct val="150000"/>
-              </a:lnSpc>
-              <a:buFont typeface="Wingdings" pitchFamily="2" charset="2"/>
-              <a:buChar char="ü"/>
-            </a:pPr>
-            <a:r>
-              <a:rPr lang="en-US" altLang="ko-KR" sz="2000" dirty="0" err="1" smtClean="0">
-                <a:latin typeface="+mn-ea"/>
-              </a:rPr>
-              <a:t>Naver</a:t>
-            </a:r>
-            <a:r>
-              <a:rPr lang="ko-KR" altLang="en-US" sz="2000" dirty="0">
-                <a:latin typeface="+mn-ea"/>
-              </a:rPr>
-              <a:t> </a:t>
-            </a:r>
-            <a:r>
-              <a:rPr lang="ko-KR" altLang="en-US" sz="2000" dirty="0" smtClean="0">
-                <a:latin typeface="+mn-ea"/>
-              </a:rPr>
-              <a:t>메뉴 가져오기</a:t>
-            </a:r>
-            <a:endParaRPr lang="en-US" altLang="ko-KR" sz="2000" dirty="0" smtClean="0">
-              <a:latin typeface="+mn-ea"/>
-            </a:endParaRPr>
-          </a:p>
-        </p:txBody>
-      </p:sp>
-      <p:sp>
-        <p:nvSpPr>
-          <p:cNvPr id="9" name="모서리가 둥근 직사각형 8"/>
-          <p:cNvSpPr/>
-          <p:nvPr/>
-        </p:nvSpPr>
-        <p:spPr>
-          <a:xfrm>
-            <a:off x="1217081" y="1838557"/>
-            <a:ext cx="2640515" cy="416526"/>
-          </a:xfrm>
-          <a:prstGeom prst="roundRect">
-            <a:avLst/>
-          </a:prstGeom>
-          <a:noFill/>
-          <a:ln w="28575">
-            <a:solidFill>
-              <a:srgbClr val="C00000"/>
-            </a:solidFill>
-            <a:prstDash val="sysDash"/>
-          </a:ln>
-        </p:spPr>
-        <p:style>
-          <a:lnRef idx="2">
-            <a:schemeClr val="accent1">
-              <a:shade val="50000"/>
-            </a:schemeClr>
-          </a:lnRef>
-          <a:fillRef idx="1">
-            <a:schemeClr val="accent1"/>
-          </a:fillRef>
-          <a:effectRef idx="0">
-            <a:schemeClr val="accent1"/>
-          </a:effectRef>
-          <a:fontRef idx="minor">
-            <a:schemeClr val="lt1"/>
-          </a:fontRef>
-        </p:style>
-        <p:txBody>
-          <a:bodyPr rtlCol="0" anchor="ctr"/>
-          <a:lstStyle/>
-          <a:p>
-            <a:endParaRPr lang="ko-KR" altLang="en-US" sz="1600" dirty="0">
-              <a:solidFill>
-                <a:sysClr val="windowText" lastClr="000000"/>
-              </a:solidFill>
-            </a:endParaRPr>
-          </a:p>
-        </p:txBody>
-      </p:sp>
-      <p:pic>
-        <p:nvPicPr>
-          <p:cNvPr id="5" name="그림 4"/>
-          <p:cNvPicPr>
-            <a:picLocks noChangeAspect="1"/>
-          </p:cNvPicPr>
-          <p:nvPr/>
-        </p:nvPicPr>
-        <p:blipFill>
-          <a:blip r:embed="rId3">
-            <a:extLst>
-              <a:ext uri="{28A0092B-C50C-407E-A947-70E740481C1C}">
-                <a14:useLocalDpi xmlns:a14="http://schemas.microsoft.com/office/drawing/2010/main" val="0"/>
-              </a:ext>
-            </a:extLst>
-          </a:blip>
-          <a:stretch>
-            <a:fillRect/>
-          </a:stretch>
-        </p:blipFill>
-        <p:spPr>
-          <a:xfrm>
-            <a:off x="2216696" y="3212976"/>
-            <a:ext cx="5472608" cy="3452875"/>
-          </a:xfrm>
-          <a:prstGeom prst="rect">
-            <a:avLst/>
-          </a:prstGeom>
-          <a:ln>
-            <a:solidFill>
-              <a:schemeClr val="bg1">
-                <a:lumMod val="85000"/>
-              </a:schemeClr>
-            </a:solidFill>
-          </a:ln>
-        </p:spPr>
-      </p:pic>
-      <p:pic>
-        <p:nvPicPr>
-          <p:cNvPr id="7" name="그림 6"/>
-          <p:cNvPicPr>
-            <a:picLocks noChangeAspect="1"/>
-          </p:cNvPicPr>
-          <p:nvPr/>
-        </p:nvPicPr>
-        <p:blipFill rotWithShape="1">
-          <a:blip r:embed="rId4">
-            <a:extLst>
-              <a:ext uri="{28A0092B-C50C-407E-A947-70E740481C1C}">
-                <a14:useLocalDpi xmlns:a14="http://schemas.microsoft.com/office/drawing/2010/main" val="0"/>
-              </a:ext>
-            </a:extLst>
-          </a:blip>
-          <a:srcRect r="40018" b="43311"/>
-          <a:stretch/>
-        </p:blipFill>
-        <p:spPr>
-          <a:xfrm>
-            <a:off x="4808984" y="1825170"/>
-            <a:ext cx="3888432" cy="1247095"/>
+            <a:off x="1496616" y="1412776"/>
+            <a:ext cx="6294665" cy="4663844"/>
           </a:xfrm>
           <a:prstGeom prst="rect">
             <a:avLst/>
@@ -18040,7 +17960,7 @@
     </p:spTree>
     <p:extLst>
       <p:ext uri="{BB962C8B-B14F-4D97-AF65-F5344CB8AC3E}">
-        <p14:creationId xmlns:p14="http://schemas.microsoft.com/office/powerpoint/2010/main" val="4281239587"/>
+        <p14:creationId xmlns:p14="http://schemas.microsoft.com/office/powerpoint/2010/main" val="3992499663"/>
       </p:ext>
     </p:extLst>
   </p:cSld>
@@ -18818,7 +18738,7 @@
       </p:sp>
       <p:pic>
         <p:nvPicPr>
-          <p:cNvPr id="5" name="그림 4"/>
+          <p:cNvPr id="3" name="그림 2"/>
           <p:cNvPicPr>
             <a:picLocks noChangeAspect="1"/>
           </p:cNvPicPr>
@@ -18838,8 +18758,8 @@
         </p:blipFill>
         <p:spPr>
           <a:xfrm>
-            <a:off x="1280591" y="1844824"/>
-            <a:ext cx="6701815" cy="2016224"/>
+            <a:off x="1413394" y="1868166"/>
+            <a:ext cx="6192688" cy="2722791"/>
           </a:xfrm>
           <a:prstGeom prst="rect">
             <a:avLst/>
@@ -18855,7 +18775,7 @@
       </p:pic>
       <p:pic>
         <p:nvPicPr>
-          <p:cNvPr id="10" name="그림 9"/>
+          <p:cNvPr id="6" name="그림 5"/>
           <p:cNvPicPr>
             <a:picLocks noChangeAspect="1"/>
           </p:cNvPicPr>
@@ -18875,8 +18795,8 @@
         </p:blipFill>
         <p:spPr>
           <a:xfrm>
-            <a:off x="5789904" y="4185084"/>
-            <a:ext cx="2160240" cy="900100"/>
+            <a:off x="5457056" y="4772257"/>
+            <a:ext cx="2149026" cy="1447925"/>
           </a:xfrm>
           <a:prstGeom prst="rect">
             <a:avLst/>
@@ -19052,8 +18972,8 @@
         </p:nvSpPr>
         <p:spPr>
           <a:xfrm>
-            <a:off x="1424607" y="1651396"/>
-            <a:ext cx="6359053" cy="923330"/>
+            <a:off x="1424607" y="1713582"/>
+            <a:ext cx="6359053" cy="1200329"/>
           </a:xfrm>
           <a:prstGeom prst="rect">
             <a:avLst/>
@@ -19068,7 +18988,7 @@
           <a:p>
             <a:pPr>
               <a:lnSpc>
-                <a:spcPct val="150000"/>
+                <a:spcPct val="200000"/>
               </a:lnSpc>
             </a:pPr>
             <a:r>
@@ -19147,7 +19067,7 @@
           <a:p>
             <a:pPr>
               <a:lnSpc>
-                <a:spcPct val="150000"/>
+                <a:spcPct val="200000"/>
               </a:lnSpc>
             </a:pPr>
             <a:r>
@@ -19223,6 +19143,240 @@
               <a:t>개 검색</a:t>
             </a:r>
             <a:endParaRPr lang="ko-KR" altLang="en-US" b="1" dirty="0"/>
+          </a:p>
+        </p:txBody>
+      </p:sp>
+      <p:pic>
+        <p:nvPicPr>
+          <p:cNvPr id="5" name="그림 4"/>
+          <p:cNvPicPr>
+            <a:picLocks noChangeAspect="1"/>
+          </p:cNvPicPr>
+          <p:nvPr/>
+        </p:nvPicPr>
+        <p:blipFill>
+          <a:blip r:embed="rId2">
+            <a:extLst>
+              <a:ext uri="{28A0092B-C50C-407E-A947-70E740481C1C}">
+                <a14:useLocalDpi xmlns:a14="http://schemas.microsoft.com/office/drawing/2010/main" val="0"/>
+              </a:ext>
+            </a:extLst>
+          </a:blip>
+          <a:stretch>
+            <a:fillRect/>
+          </a:stretch>
+        </p:blipFill>
+        <p:spPr>
+          <a:xfrm>
+            <a:off x="2144688" y="3012279"/>
+            <a:ext cx="5328593" cy="3136451"/>
+          </a:xfrm>
+          <a:prstGeom prst="rect">
+            <a:avLst/>
+          </a:prstGeom>
+          <a:ln>
+            <a:solidFill>
+              <a:schemeClr val="bg1">
+                <a:lumMod val="85000"/>
+              </a:schemeClr>
+            </a:solidFill>
+          </a:ln>
+        </p:spPr>
+      </p:pic>
+      <p:sp>
+        <p:nvSpPr>
+          <p:cNvPr id="13" name="TextBox 12"/>
+          <p:cNvSpPr txBox="1"/>
+          <p:nvPr/>
+        </p:nvSpPr>
+        <p:spPr>
+          <a:xfrm>
+            <a:off x="6595528" y="3185765"/>
+            <a:ext cx="2376264" cy="408623"/>
+          </a:xfrm>
+          <a:prstGeom prst="roundRect">
+            <a:avLst/>
+          </a:prstGeom>
+        </p:spPr>
+        <p:style>
+          <a:lnRef idx="2">
+            <a:schemeClr val="accent1"/>
+          </a:lnRef>
+          <a:fillRef idx="1">
+            <a:schemeClr val="lt1"/>
+          </a:fillRef>
+          <a:effectRef idx="0">
+            <a:schemeClr val="accent1"/>
+          </a:effectRef>
+          <a:fontRef idx="minor">
+            <a:schemeClr val="dk1"/>
+          </a:fontRef>
+        </p:style>
+        <p:txBody>
+          <a:bodyPr wrap="square" rtlCol="0">
+            <a:spAutoFit/>
+          </a:bodyPr>
+          <a:lstStyle/>
+          <a:p>
+            <a:r>
+              <a:rPr lang="en-US" altLang="ko-KR" dirty="0" smtClean="0"/>
+              <a:t>exchange_select.py</a:t>
+            </a:r>
+            <a:endParaRPr lang="ko-KR" altLang="en-US" dirty="0"/>
+          </a:p>
+        </p:txBody>
+      </p:sp>
+    </p:spTree>
+    <p:extLst>
+      <p:ext uri="{BB962C8B-B14F-4D97-AF65-F5344CB8AC3E}">
+        <p14:creationId xmlns:p14="http://schemas.microsoft.com/office/powerpoint/2010/main" val="848094160"/>
+      </p:ext>
+    </p:extLst>
+  </p:cSld>
+  <p:clrMapOvr>
+    <a:masterClrMapping/>
+  </p:clrMapOvr>
+  <p:timing>
+    <p:tnLst>
+      <p:par>
+        <p:cTn id="1" dur="indefinite" restart="never" nodeType="tmRoot"/>
+      </p:par>
+    </p:tnLst>
+  </p:timing>
+</p:sld>
+</file>
+
+<file path=ppt/slides/slide45.xml><?xml version="1.0" encoding="utf-8"?>
+<p:sld xmlns:a="http://schemas.openxmlformats.org/drawingml/2006/main" xmlns:r="http://schemas.openxmlformats.org/officeDocument/2006/relationships" xmlns:p="http://schemas.openxmlformats.org/presentationml/2006/main">
+  <p:cSld>
+    <p:spTree>
+      <p:nvGrpSpPr>
+        <p:cNvPr id="1" name=""/>
+        <p:cNvGrpSpPr/>
+        <p:nvPr/>
+      </p:nvGrpSpPr>
+      <p:grpSpPr>
+        <a:xfrm>
+          <a:off x="0" y="0"/>
+          <a:ext cx="0" cy="0"/>
+          <a:chOff x="0" y="0"/>
+          <a:chExt cx="0" cy="0"/>
+        </a:xfrm>
+      </p:grpSpPr>
+      <p:sp>
+        <p:nvSpPr>
+          <p:cNvPr id="2" name="제목 1"/>
+          <p:cNvSpPr>
+            <a:spLocks noGrp="1"/>
+          </p:cNvSpPr>
+          <p:nvPr>
+            <p:ph type="title"/>
+          </p:nvPr>
+        </p:nvSpPr>
+        <p:spPr/>
+        <p:txBody>
+          <a:bodyPr/>
+          <a:lstStyle/>
+          <a:p>
+            <a:r>
+              <a:rPr lang="en-US" altLang="ko-KR" dirty="0"/>
+              <a:t> </a:t>
+            </a:r>
+            <a:r>
+              <a:rPr lang="ko-KR" altLang="en-US" dirty="0" err="1" smtClean="0"/>
+              <a:t>네이버</a:t>
+            </a:r>
+            <a:r>
+              <a:rPr lang="ko-KR" altLang="en-US" dirty="0" smtClean="0"/>
+              <a:t> 금융 </a:t>
+            </a:r>
+            <a:r>
+              <a:rPr lang="ko-KR" altLang="en-US" dirty="0" err="1" smtClean="0"/>
+              <a:t>크롤링하기</a:t>
+            </a:r>
+            <a:endParaRPr lang="ko-KR" altLang="en-US" dirty="0"/>
+          </a:p>
+        </p:txBody>
+      </p:sp>
+      <p:sp>
+        <p:nvSpPr>
+          <p:cNvPr id="4" name="슬라이드 번호 개체 틀 3"/>
+          <p:cNvSpPr>
+            <a:spLocks noGrp="1"/>
+          </p:cNvSpPr>
+          <p:nvPr>
+            <p:ph type="sldNum" sz="quarter" idx="12"/>
+          </p:nvPr>
+        </p:nvSpPr>
+        <p:spPr/>
+        <p:txBody>
+          <a:bodyPr/>
+          <a:lstStyle/>
+          <a:p>
+            <a:fld id="{1BDE3FE7-3AEA-4B05-AC5A-802D1816ACF0}" type="slidenum">
+              <a:rPr lang="ko-KR" altLang="en-US" smtClean="0"/>
+              <a:t>45</a:t>
+            </a:fld>
+            <a:endParaRPr lang="ko-KR" altLang="en-US"/>
+          </a:p>
+        </p:txBody>
+      </p:sp>
+      <p:sp>
+        <p:nvSpPr>
+          <p:cNvPr id="12" name="TextBox 11"/>
+          <p:cNvSpPr txBox="1"/>
+          <p:nvPr/>
+        </p:nvSpPr>
+        <p:spPr>
+          <a:xfrm>
+            <a:off x="848544" y="1196752"/>
+            <a:ext cx="5544615" cy="509178"/>
+          </a:xfrm>
+          <a:prstGeom prst="rect">
+            <a:avLst/>
+          </a:prstGeom>
+          <a:ln>
+            <a:noFill/>
+          </a:ln>
+        </p:spPr>
+        <p:style>
+          <a:lnRef idx="2">
+            <a:schemeClr val="dk1"/>
+          </a:lnRef>
+          <a:fillRef idx="1">
+            <a:schemeClr val="lt1"/>
+          </a:fillRef>
+          <a:effectRef idx="0">
+            <a:schemeClr val="dk1"/>
+          </a:effectRef>
+          <a:fontRef idx="minor">
+            <a:schemeClr val="dk1"/>
+          </a:fontRef>
+        </p:style>
+        <p:txBody>
+          <a:bodyPr wrap="square" rtlCol="0">
+            <a:spAutoFit/>
+          </a:bodyPr>
+          <a:lstStyle/>
+          <a:p>
+            <a:pPr marL="342900" indent="-342900">
+              <a:lnSpc>
+                <a:spcPct val="150000"/>
+              </a:lnSpc>
+              <a:buFont typeface="Wingdings" panose="05000000000000000000" pitchFamily="2" charset="2"/>
+              <a:buChar char="l"/>
+            </a:pPr>
+            <a:r>
+              <a:rPr lang="ko-KR" altLang="en-US" sz="2000" dirty="0" smtClean="0">
+                <a:latin typeface="휴먼엑스포" panose="02030504000101010101" pitchFamily="18" charset="-127"/>
+                <a:ea typeface="휴먼엑스포" panose="02030504000101010101" pitchFamily="18" charset="-127"/>
+              </a:rPr>
+              <a:t>환율정보 수집하기  </a:t>
+            </a:r>
+            <a:endParaRPr lang="en-US" altLang="ko-KR" sz="2000" dirty="0" smtClean="0">
+              <a:latin typeface="휴먼엑스포" panose="02030504000101010101" pitchFamily="18" charset="-127"/>
+              <a:ea typeface="휴먼엑스포" panose="02030504000101010101" pitchFamily="18" charset="-127"/>
+            </a:endParaRPr>
           </a:p>
         </p:txBody>
       </p:sp>
@@ -19248,8 +19402,8 @@
         </p:blipFill>
         <p:spPr>
           <a:xfrm>
-            <a:off x="1424606" y="2599067"/>
-            <a:ext cx="7056785" cy="3625008"/>
+            <a:off x="1136576" y="2060848"/>
+            <a:ext cx="7015388" cy="2811190"/>
           </a:xfrm>
           <a:prstGeom prst="rect">
             <a:avLst/>
@@ -19271,7 +19425,7 @@
         </p:nvGrpSpPr>
         <p:grpSpPr>
           <a:xfrm>
-            <a:off x="7356743" y="4005939"/>
+            <a:off x="7061915" y="2745005"/>
             <a:ext cx="2348785" cy="1442876"/>
             <a:chOff x="6096354" y="1986124"/>
             <a:chExt cx="2673070" cy="1729969"/>
@@ -19345,53 +19499,10 @@
           </p:txBody>
         </p:sp>
       </p:grpSp>
-      <p:sp>
-        <p:nvSpPr>
-          <p:cNvPr id="13" name="TextBox 12"/>
-          <p:cNvSpPr txBox="1"/>
-          <p:nvPr/>
-        </p:nvSpPr>
-        <p:spPr>
-          <a:xfrm>
-            <a:off x="6663904" y="2202614"/>
-            <a:ext cx="2376264" cy="408623"/>
-          </a:xfrm>
-          <a:prstGeom prst="roundRect">
-            <a:avLst/>
-          </a:prstGeom>
-        </p:spPr>
-        <p:style>
-          <a:lnRef idx="2">
-            <a:schemeClr val="accent1"/>
-          </a:lnRef>
-          <a:fillRef idx="1">
-            <a:schemeClr val="lt1"/>
-          </a:fillRef>
-          <a:effectRef idx="0">
-            <a:schemeClr val="accent1"/>
-          </a:effectRef>
-          <a:fontRef idx="minor">
-            <a:schemeClr val="dk1"/>
-          </a:fontRef>
-        </p:style>
-        <p:txBody>
-          <a:bodyPr wrap="square" rtlCol="0">
-            <a:spAutoFit/>
-          </a:bodyPr>
-          <a:lstStyle/>
-          <a:p>
-            <a:r>
-              <a:rPr lang="en-US" altLang="ko-KR" dirty="0" smtClean="0"/>
-              <a:t>exchange_select.py</a:t>
-            </a:r>
-            <a:endParaRPr lang="ko-KR" altLang="en-US" dirty="0"/>
-          </a:p>
-        </p:txBody>
-      </p:sp>
     </p:spTree>
     <p:extLst>
       <p:ext uri="{BB962C8B-B14F-4D97-AF65-F5344CB8AC3E}">
-        <p14:creationId xmlns:p14="http://schemas.microsoft.com/office/powerpoint/2010/main" val="848094160"/>
+        <p14:creationId xmlns:p14="http://schemas.microsoft.com/office/powerpoint/2010/main" val="80224201"/>
       </p:ext>
     </p:extLst>
   </p:cSld>
@@ -19408,7 +19519,7 @@
 </p:sld>
 </file>
 
-<file path=ppt/slides/slide45.xml><?xml version="1.0" encoding="utf-8"?>
+<file path=ppt/slides/slide46.xml><?xml version="1.0" encoding="utf-8"?>
 <p:sld xmlns:a="http://schemas.openxmlformats.org/drawingml/2006/main" xmlns:r="http://schemas.openxmlformats.org/officeDocument/2006/relationships" xmlns:p="http://schemas.openxmlformats.org/presentationml/2006/main">
   <p:cSld>
     <p:spTree>
@@ -19425,6 +19536,43 @@
           <a:chExt cx="0" cy="0"/>
         </a:xfrm>
       </p:grpSpPr>
+      <p:pic>
+        <p:nvPicPr>
+          <p:cNvPr id="5" name="그림 4"/>
+          <p:cNvPicPr>
+            <a:picLocks noChangeAspect="1"/>
+          </p:cNvPicPr>
+          <p:nvPr/>
+        </p:nvPicPr>
+        <p:blipFill>
+          <a:blip r:embed="rId2">
+            <a:extLst>
+              <a:ext uri="{28A0092B-C50C-407E-A947-70E740481C1C}">
+                <a14:useLocalDpi xmlns:a14="http://schemas.microsoft.com/office/drawing/2010/main" val="0"/>
+              </a:ext>
+            </a:extLst>
+          </a:blip>
+          <a:stretch>
+            <a:fillRect/>
+          </a:stretch>
+        </p:blipFill>
+        <p:spPr>
+          <a:xfrm>
+            <a:off x="1208583" y="2468414"/>
+            <a:ext cx="3749879" cy="3552874"/>
+          </a:xfrm>
+          <a:prstGeom prst="rect">
+            <a:avLst/>
+          </a:prstGeom>
+          <a:ln>
+            <a:solidFill>
+              <a:schemeClr val="bg1">
+                <a:lumMod val="85000"/>
+              </a:schemeClr>
+            </a:solidFill>
+          </a:ln>
+        </p:spPr>
+      </p:pic>
       <p:sp>
         <p:nvSpPr>
           <p:cNvPr id="2" name="제목 1"/>
@@ -19477,7 +19625,7 @@
           <a:p>
             <a:fld id="{1BDE3FE7-3AEA-4B05-AC5A-802D1816ACF0}" type="slidenum">
               <a:rPr lang="ko-KR" altLang="en-US" smtClean="0"/>
-              <a:t>45</a:t>
+              <a:t>46</a:t>
             </a:fld>
             <a:endParaRPr lang="ko-KR" altLang="en-US"/>
           </a:p>
@@ -19675,43 +19823,6 @@
           </a:p>
         </p:txBody>
       </p:sp>
-      <p:pic>
-        <p:nvPicPr>
-          <p:cNvPr id="8" name="그림 7"/>
-          <p:cNvPicPr>
-            <a:picLocks noChangeAspect="1"/>
-          </p:cNvPicPr>
-          <p:nvPr/>
-        </p:nvPicPr>
-        <p:blipFill>
-          <a:blip r:embed="rId2">
-            <a:extLst>
-              <a:ext uri="{28A0092B-C50C-407E-A947-70E740481C1C}">
-                <a14:useLocalDpi xmlns:a14="http://schemas.microsoft.com/office/drawing/2010/main" val="0"/>
-              </a:ext>
-            </a:extLst>
-          </a:blip>
-          <a:stretch>
-            <a:fillRect/>
-          </a:stretch>
-        </p:blipFill>
-        <p:spPr>
-          <a:xfrm>
-            <a:off x="1424608" y="2636912"/>
-            <a:ext cx="3162574" cy="3002540"/>
-          </a:xfrm>
-          <a:prstGeom prst="rect">
-            <a:avLst/>
-          </a:prstGeom>
-          <a:ln>
-            <a:solidFill>
-              <a:schemeClr val="bg1">
-                <a:lumMod val="85000"/>
-              </a:schemeClr>
-            </a:solidFill>
-          </a:ln>
-        </p:spPr>
-      </p:pic>
       <p:sp>
         <p:nvSpPr>
           <p:cNvPr id="7" name="모서리가 둥근 직사각형 6"/>
@@ -19784,7 +19895,7 @@
         </p:blipFill>
         <p:spPr>
           <a:xfrm>
-            <a:off x="4947794" y="3043401"/>
+            <a:off x="5030469" y="3137193"/>
             <a:ext cx="4277376" cy="1553953"/>
           </a:xfrm>
           <a:prstGeom prst="rect">
@@ -19819,7 +19930,7 @@
 </p:sld>
 </file>
 
-<file path=ppt/slides/slide46.xml><?xml version="1.0" encoding="utf-8"?>
+<file path=ppt/slides/slide47.xml><?xml version="1.0" encoding="utf-8"?>
 <p:sld xmlns:a="http://schemas.openxmlformats.org/drawingml/2006/main" xmlns:r="http://schemas.openxmlformats.org/officeDocument/2006/relationships" xmlns:p="http://schemas.openxmlformats.org/presentationml/2006/main">
   <p:cSld>
     <p:spTree>
@@ -19836,6 +19947,43 @@
           <a:chExt cx="0" cy="0"/>
         </a:xfrm>
       </p:grpSpPr>
+      <p:pic>
+        <p:nvPicPr>
+          <p:cNvPr id="3" name="그림 2"/>
+          <p:cNvPicPr>
+            <a:picLocks noChangeAspect="1"/>
+          </p:cNvPicPr>
+          <p:nvPr/>
+        </p:nvPicPr>
+        <p:blipFill>
+          <a:blip r:embed="rId2">
+            <a:extLst>
+              <a:ext uri="{28A0092B-C50C-407E-A947-70E740481C1C}">
+                <a14:useLocalDpi xmlns:a14="http://schemas.microsoft.com/office/drawing/2010/main" val="0"/>
+              </a:ext>
+            </a:extLst>
+          </a:blip>
+          <a:stretch>
+            <a:fillRect/>
+          </a:stretch>
+        </p:blipFill>
+        <p:spPr>
+          <a:xfrm>
+            <a:off x="1245803" y="1791639"/>
+            <a:ext cx="6569009" cy="3619814"/>
+          </a:xfrm>
+          <a:prstGeom prst="rect">
+            <a:avLst/>
+          </a:prstGeom>
+          <a:ln>
+            <a:solidFill>
+              <a:schemeClr val="bg1">
+                <a:lumMod val="85000"/>
+              </a:schemeClr>
+            </a:solidFill>
+          </a:ln>
+        </p:spPr>
+      </p:pic>
       <p:sp>
         <p:nvSpPr>
           <p:cNvPr id="2" name="제목 1"/>
@@ -19888,7 +20036,7 @@
           <a:p>
             <a:fld id="{1BDE3FE7-3AEA-4B05-AC5A-802D1816ACF0}" type="slidenum">
               <a:rPr lang="ko-KR" altLang="en-US" smtClean="0"/>
-              <a:t>46</a:t>
+              <a:t>47</a:t>
             </a:fld>
             <a:endParaRPr lang="ko-KR" altLang="en-US"/>
           </a:p>
@@ -19969,43 +20117,6 @@
       </p:sp>
       <p:pic>
         <p:nvPicPr>
-          <p:cNvPr id="5" name="그림 4"/>
-          <p:cNvPicPr>
-            <a:picLocks noChangeAspect="1"/>
-          </p:cNvPicPr>
-          <p:nvPr/>
-        </p:nvPicPr>
-        <p:blipFill>
-          <a:blip r:embed="rId2">
-            <a:extLst>
-              <a:ext uri="{28A0092B-C50C-407E-A947-70E740481C1C}">
-                <a14:useLocalDpi xmlns:a14="http://schemas.microsoft.com/office/drawing/2010/main" val="0"/>
-              </a:ext>
-            </a:extLst>
-          </a:blip>
-          <a:stretch>
-            <a:fillRect/>
-          </a:stretch>
-        </p:blipFill>
-        <p:spPr>
-          <a:xfrm>
-            <a:off x="1205695" y="1700808"/>
-            <a:ext cx="7338696" cy="3574090"/>
-          </a:xfrm>
-          <a:prstGeom prst="rect">
-            <a:avLst/>
-          </a:prstGeom>
-          <a:ln>
-            <a:solidFill>
-              <a:schemeClr val="bg1">
-                <a:lumMod val="85000"/>
-              </a:schemeClr>
-            </a:solidFill>
-          </a:ln>
-        </p:spPr>
-      </p:pic>
-      <p:pic>
-        <p:nvPicPr>
           <p:cNvPr id="8" name="그림 7"/>
           <p:cNvPicPr>
             <a:picLocks noChangeAspect="1"/>
@@ -20025,7 +20136,7 @@
         </p:blipFill>
         <p:spPr>
           <a:xfrm>
-            <a:off x="6177136" y="4975719"/>
+            <a:off x="6177136" y="5047727"/>
             <a:ext cx="3246782" cy="1261593"/>
           </a:xfrm>
           <a:prstGeom prst="rect">
@@ -20048,7 +20159,7 @@
         </p:nvSpPr>
         <p:spPr>
           <a:xfrm>
-            <a:off x="6177136" y="5407767"/>
+            <a:off x="6177136" y="5479775"/>
             <a:ext cx="3096344" cy="258223"/>
           </a:xfrm>
           <a:prstGeom prst="roundRect">
@@ -20101,7 +20212,7 @@
         </p:nvCxnSpPr>
         <p:spPr>
           <a:xfrm flipV="1">
-            <a:off x="5555333" y="5606516"/>
+            <a:off x="5555333" y="5678524"/>
             <a:ext cx="621803" cy="124800"/>
           </a:xfrm>
           <a:prstGeom prst="straightConnector1">
@@ -20138,7 +20249,7 @@
         </p:nvSpPr>
         <p:spPr>
           <a:xfrm>
-            <a:off x="2144688" y="5515292"/>
+            <a:off x="2144688" y="5587300"/>
             <a:ext cx="3410645" cy="432048"/>
           </a:xfrm>
           <a:prstGeom prst="roundRect">
@@ -20204,8 +20315,8 @@
         </p:nvSpPr>
         <p:spPr>
           <a:xfrm>
-            <a:off x="7185248" y="1628800"/>
-            <a:ext cx="1656184" cy="408623"/>
+            <a:off x="7722840" y="2636912"/>
+            <a:ext cx="1800200" cy="408623"/>
           </a:xfrm>
           <a:prstGeom prst="roundRect">
             <a:avLst/>
@@ -20232,12 +20343,8 @@
           <a:lstStyle/>
           <a:p>
             <a:r>
-              <a:rPr lang="en-US" altLang="ko-KR" dirty="0"/>
-              <a:t>s</a:t>
-            </a:r>
-            <a:r>
               <a:rPr lang="en-US" altLang="ko-KR" dirty="0" smtClean="0"/>
-              <a:t>tock_find.py</a:t>
+              <a:t>stock_price.py</a:t>
             </a:r>
             <a:endParaRPr lang="ko-KR" altLang="en-US" dirty="0"/>
           </a:p>
@@ -20263,7 +20370,7 @@
 </p:sld>
 </file>
 
-<file path=ppt/slides/slide47.xml><?xml version="1.0" encoding="utf-8"?>
+<file path=ppt/slides/slide48.xml><?xml version="1.0" encoding="utf-8"?>
 <p:sld xmlns:a="http://schemas.openxmlformats.org/drawingml/2006/main" xmlns:r="http://schemas.openxmlformats.org/officeDocument/2006/relationships" xmlns:p="http://schemas.openxmlformats.org/presentationml/2006/main">
   <p:cSld>
     <p:spTree>
@@ -20332,7 +20439,7 @@
           <a:p>
             <a:fld id="{1BDE3FE7-3AEA-4B05-AC5A-802D1816ACF0}" type="slidenum">
               <a:rPr lang="ko-KR" altLang="en-US" smtClean="0"/>
-              <a:t>47</a:t>
+              <a:t>48</a:t>
             </a:fld>
             <a:endParaRPr lang="ko-KR" altLang="en-US"/>
           </a:p>
@@ -20456,7 +20563,7 @@
         </p:nvSpPr>
         <p:spPr>
           <a:xfrm>
-            <a:off x="6969224" y="1782146"/>
+            <a:off x="6829276" y="3339376"/>
             <a:ext cx="2376264" cy="408623"/>
           </a:xfrm>
           <a:prstGeom prst="roundRect">
@@ -20511,7 +20618,7 @@
 </p:sld>
 </file>
 
-<file path=ppt/slides/slide48.xml><?xml version="1.0" encoding="utf-8"?>
+<file path=ppt/slides/slide49.xml><?xml version="1.0" encoding="utf-8"?>
 <p:sld xmlns:a="http://schemas.openxmlformats.org/drawingml/2006/main" xmlns:r="http://schemas.openxmlformats.org/officeDocument/2006/relationships" xmlns:p="http://schemas.openxmlformats.org/presentationml/2006/main">
   <p:cSld>
     <p:spTree>
@@ -20617,7 +20724,7 @@
           <a:p>
             <a:fld id="{1BDE3FE7-3AEA-4B05-AC5A-802D1816ACF0}" type="slidenum">
               <a:rPr lang="ko-KR" altLang="en-US" smtClean="0"/>
-              <a:t>48</a:t>
+              <a:t>49</a:t>
             </a:fld>
             <a:endParaRPr lang="ko-KR" altLang="en-US"/>
           </a:p>
@@ -20746,9 +20853,52 @@
           </a:p>
         </p:txBody>
       </p:sp>
+      <p:sp>
+        <p:nvSpPr>
+          <p:cNvPr id="10" name="TextBox 9"/>
+          <p:cNvSpPr txBox="1"/>
+          <p:nvPr/>
+        </p:nvSpPr>
+        <p:spPr>
+          <a:xfrm>
+            <a:off x="7241704" y="2846883"/>
+            <a:ext cx="1893856" cy="408623"/>
+          </a:xfrm>
+          <a:prstGeom prst="roundRect">
+            <a:avLst/>
+          </a:prstGeom>
+        </p:spPr>
+        <p:style>
+          <a:lnRef idx="2">
+            <a:schemeClr val="accent1"/>
+          </a:lnRef>
+          <a:fillRef idx="1">
+            <a:schemeClr val="lt1"/>
+          </a:fillRef>
+          <a:effectRef idx="0">
+            <a:schemeClr val="accent1"/>
+          </a:effectRef>
+          <a:fontRef idx="minor">
+            <a:schemeClr val="dk1"/>
+          </a:fontRef>
+        </p:style>
+        <p:txBody>
+          <a:bodyPr wrap="square" rtlCol="0">
+            <a:spAutoFit/>
+          </a:bodyPr>
+          <a:lstStyle/>
+          <a:p>
+            <a:r>
+              <a:rPr lang="en-US" altLang="ko-KR" smtClean="0"/>
+              <a:t>stock_price2.py</a:t>
+            </a:r>
+            <a:endParaRPr lang="ko-KR" altLang="en-US" dirty="0"/>
+          </a:p>
+        </p:txBody>
+      </p:sp>
       <p:pic>
         <p:nvPicPr>
-          <p:cNvPr id="6" name="그림 5"/>
+          <p:cNvPr id="3" name="그림 2"/>
           <p:cNvPicPr>
             <a:picLocks noChangeAspect="1"/>
           </p:cNvPicPr>
@@ -20768,8 +20918,8 @@
         </p:blipFill>
         <p:spPr>
           <a:xfrm>
-            <a:off x="3296816" y="4797151"/>
-            <a:ext cx="5328591" cy="1776197"/>
+            <a:off x="4664968" y="4797152"/>
+            <a:ext cx="3644287" cy="1834455"/>
           </a:xfrm>
           <a:prstGeom prst="rect">
             <a:avLst/>
@@ -20783,49 +20933,6 @@
           </a:ln>
         </p:spPr>
       </p:pic>
-      <p:sp>
-        <p:nvSpPr>
-          <p:cNvPr id="10" name="TextBox 9"/>
-          <p:cNvSpPr txBox="1"/>
-          <p:nvPr/>
-        </p:nvSpPr>
-        <p:spPr>
-          <a:xfrm>
-            <a:off x="6897216" y="1509294"/>
-            <a:ext cx="2232248" cy="408623"/>
-          </a:xfrm>
-          <a:prstGeom prst="roundRect">
-            <a:avLst/>
-          </a:prstGeom>
-        </p:spPr>
-        <p:style>
-          <a:lnRef idx="2">
-            <a:schemeClr val="accent1"/>
-          </a:lnRef>
-          <a:fillRef idx="1">
-            <a:schemeClr val="lt1"/>
-          </a:fillRef>
-          <a:effectRef idx="0">
-            <a:schemeClr val="accent1"/>
-          </a:effectRef>
-          <a:fontRef idx="minor">
-            <a:schemeClr val="dk1"/>
-          </a:fontRef>
-        </p:style>
-        <p:txBody>
-          <a:bodyPr wrap="square" rtlCol="0">
-            <a:spAutoFit/>
-          </a:bodyPr>
-          <a:lstStyle/>
-          <a:p>
-            <a:r>
-              <a:rPr lang="en-US" altLang="ko-KR" dirty="0" smtClean="0"/>
-              <a:t>stock_getprice.py</a:t>
-            </a:r>
-            <a:endParaRPr lang="ko-KR" altLang="en-US" dirty="0"/>
-          </a:p>
-        </p:txBody>
-      </p:sp>
     </p:spTree>
     <p:extLst>
       <p:ext uri="{BB962C8B-B14F-4D97-AF65-F5344CB8AC3E}">
@@ -21852,7 +21959,7 @@
         </p:blipFill>
         <p:spPr>
           <a:xfrm>
-            <a:off x="3368824" y="4426504"/>
+            <a:off x="6568948" y="4111000"/>
             <a:ext cx="2016224" cy="2168725"/>
           </a:xfrm>
           <a:prstGeom prst="rect">
@@ -21882,7 +21989,7 @@
         </p:blipFill>
         <p:spPr>
           <a:xfrm>
-            <a:off x="7041232" y="1988840"/>
+            <a:off x="4295578" y="4210484"/>
             <a:ext cx="1694134" cy="1901906"/>
           </a:xfrm>
           <a:prstGeom prst="rect">
@@ -21919,7 +22026,7 @@
         </p:blipFill>
         <p:spPr>
           <a:xfrm>
-            <a:off x="4457466" y="1988840"/>
+            <a:off x="1711812" y="4210484"/>
             <a:ext cx="2318203" cy="1901906"/>
           </a:xfrm>
           <a:prstGeom prst="rect">
@@ -21942,7 +22049,7 @@
         </p:nvSpPr>
         <p:spPr>
           <a:xfrm>
-            <a:off x="1053709" y="1335887"/>
+            <a:off x="1053709" y="1268760"/>
             <a:ext cx="2531139" cy="507831"/>
           </a:xfrm>
           <a:prstGeom prst="rect">
@@ -22028,7 +22135,7 @@
         </p:blipFill>
         <p:spPr>
           <a:xfrm>
-            <a:off x="1640632" y="1926687"/>
+            <a:off x="6568948" y="1955014"/>
             <a:ext cx="2201734" cy="1936863"/>
           </a:xfrm>
           <a:prstGeom prst="rect">
@@ -22044,8 +22151,8 @@
         </p:nvSpPr>
         <p:spPr>
           <a:xfrm>
-            <a:off x="1605746" y="3999089"/>
-            <a:ext cx="2520280" cy="338554"/>
+            <a:off x="4189512" y="2454242"/>
+            <a:ext cx="2035463" cy="584775"/>
           </a:xfrm>
           <a:prstGeom prst="rect">
             <a:avLst/>
@@ -22079,7 +22186,34 @@
             </a:r>
             <a:r>
               <a:rPr lang="ko-KR" altLang="en-US" sz="1600" dirty="0" smtClean="0"/>
-              <a:t>와 일치</a:t>
+              <a:t>와 </a:t>
+            </a:r>
+            <a:endParaRPr lang="en-US" altLang="ko-KR" sz="1600" dirty="0" smtClean="0"/>
+          </a:p>
+          <a:p>
+            <a:r>
+              <a:rPr lang="ko-KR" altLang="en-US" sz="1600" dirty="0" smtClean="0"/>
+              <a:t>일치</a:t>
+            </a:r>
+            <a:r>
+              <a:rPr lang="en-US" altLang="ko-KR" sz="1600" dirty="0" smtClean="0"/>
+              <a:t>(+</a:t>
+            </a:r>
+            <a:r>
+              <a:rPr lang="ko-KR" altLang="en-US" sz="1600" dirty="0" smtClean="0"/>
+              <a:t>는</a:t>
+            </a:r>
+            <a:r>
+              <a:rPr lang="en-US" altLang="ko-KR" sz="1600" dirty="0"/>
+              <a:t> </a:t>
+            </a:r>
+            <a:r>
+              <a:rPr lang="ko-KR" altLang="en-US" sz="1600" dirty="0" smtClean="0"/>
+              <a:t>반복</a:t>
+            </a:r>
+            <a:r>
+              <a:rPr lang="en-US" altLang="ko-KR" sz="1600" dirty="0" smtClean="0"/>
+              <a:t>)</a:t>
             </a:r>
             <a:endParaRPr lang="ko-KR" altLang="en-US" sz="1600" dirty="0"/>
           </a:p>
@@ -22093,7 +22227,7 @@
         </p:nvSpPr>
         <p:spPr>
           <a:xfrm>
-            <a:off x="4808984" y="4000873"/>
+            <a:off x="2063330" y="6222517"/>
             <a:ext cx="3518732" cy="338554"/>
           </a:xfrm>
           <a:prstGeom prst="rect">
@@ -22142,7 +22276,7 @@
         </p:nvSpPr>
         <p:spPr>
           <a:xfrm>
-            <a:off x="5616567" y="5419963"/>
+            <a:off x="6267241" y="6391794"/>
             <a:ext cx="2864825" cy="338554"/>
           </a:xfrm>
           <a:prstGeom prst="rect">
@@ -22160,8 +22294,12 @@
           <a:lstStyle/>
           <a:p>
             <a:r>
-              <a:rPr lang="ko-KR" altLang="en-US" sz="1600" smtClean="0"/>
-              <a:t>영문소문자 </a:t>
+              <a:rPr lang="ko-KR" altLang="en-US" sz="1600" dirty="0" err="1" smtClean="0"/>
+              <a:t>영문소문자</a:t>
+            </a:r>
+            <a:r>
+              <a:rPr lang="ko-KR" altLang="en-US" sz="1600" dirty="0" smtClean="0"/>
+              <a:t> </a:t>
             </a:r>
             <a:r>
               <a:rPr lang="en-US" altLang="ko-KR" sz="1600" dirty="0" smtClean="0"/>
@@ -22175,6 +22313,36 @@
           </a:p>
         </p:txBody>
       </p:sp>
+      <p:pic>
+        <p:nvPicPr>
+          <p:cNvPr id="15" name="그림 14"/>
+          <p:cNvPicPr>
+            <a:picLocks noChangeAspect="1"/>
+          </p:cNvPicPr>
+          <p:nvPr/>
+        </p:nvPicPr>
+        <p:blipFill>
+          <a:blip r:embed="rId6">
+            <a:extLst>
+              <a:ext uri="{28A0092B-C50C-407E-A947-70E740481C1C}">
+                <a14:useLocalDpi xmlns:a14="http://schemas.microsoft.com/office/drawing/2010/main" val="0"/>
+              </a:ext>
+            </a:extLst>
+          </a:blip>
+          <a:stretch>
+            <a:fillRect/>
+          </a:stretch>
+        </p:blipFill>
+        <p:spPr>
+          <a:xfrm>
+            <a:off x="1747106" y="1829380"/>
+            <a:ext cx="1913580" cy="2062497"/>
+          </a:xfrm>
+          <a:prstGeom prst="rect">
+            <a:avLst/>
+          </a:prstGeom>
+        </p:spPr>
+      </p:pic>
     </p:spTree>
     <p:extLst>
       <p:ext uri="{BB962C8B-B14F-4D97-AF65-F5344CB8AC3E}">
